--- a/Shri_PPT.pptx
+++ b/Shri_PPT.pptx
@@ -2,7 +2,7 @@
 <file path=ppt/presentation.xml><?xml version="1.0" encoding="utf-8"?>
 <p:presentation xmlns:a="http://schemas.openxmlformats.org/drawingml/2006/main" xmlns:r="http://schemas.openxmlformats.org/officeDocument/2006/relationships" xmlns:p="http://schemas.openxmlformats.org/presentationml/2006/main" saveSubsetFonts="1">
   <p:sldMasterIdLst>
-    <p:sldMasterId id="2147483836" r:id="rId1"/>
+    <p:sldMasterId id="2147483916" r:id="rId1"/>
   </p:sldMasterIdLst>
   <p:sldIdLst>
     <p:sldId id="256" r:id="rId2"/>
@@ -16,28 +16,29 @@
     <p:sldId id="290" r:id="rId10"/>
     <p:sldId id="291" r:id="rId11"/>
     <p:sldId id="292" r:id="rId12"/>
-    <p:sldId id="266" r:id="rId13"/>
-    <p:sldId id="267" r:id="rId14"/>
-    <p:sldId id="268" r:id="rId15"/>
-    <p:sldId id="269" r:id="rId16"/>
-    <p:sldId id="270" r:id="rId17"/>
-    <p:sldId id="288" r:id="rId18"/>
-    <p:sldId id="289" r:id="rId19"/>
-    <p:sldId id="272" r:id="rId20"/>
-    <p:sldId id="273" r:id="rId21"/>
-    <p:sldId id="274" r:id="rId22"/>
-    <p:sldId id="275" r:id="rId23"/>
-    <p:sldId id="277" r:id="rId24"/>
-    <p:sldId id="278" r:id="rId25"/>
-    <p:sldId id="279" r:id="rId26"/>
-    <p:sldId id="280" r:id="rId27"/>
-    <p:sldId id="286" r:id="rId28"/>
-    <p:sldId id="287" r:id="rId29"/>
-    <p:sldId id="281" r:id="rId30"/>
-    <p:sldId id="282" r:id="rId31"/>
-    <p:sldId id="283" r:id="rId32"/>
-    <p:sldId id="284" r:id="rId33"/>
-    <p:sldId id="285" r:id="rId34"/>
+    <p:sldId id="293" r:id="rId13"/>
+    <p:sldId id="266" r:id="rId14"/>
+    <p:sldId id="267" r:id="rId15"/>
+    <p:sldId id="268" r:id="rId16"/>
+    <p:sldId id="269" r:id="rId17"/>
+    <p:sldId id="270" r:id="rId18"/>
+    <p:sldId id="288" r:id="rId19"/>
+    <p:sldId id="289" r:id="rId20"/>
+    <p:sldId id="272" r:id="rId21"/>
+    <p:sldId id="273" r:id="rId22"/>
+    <p:sldId id="274" r:id="rId23"/>
+    <p:sldId id="275" r:id="rId24"/>
+    <p:sldId id="277" r:id="rId25"/>
+    <p:sldId id="278" r:id="rId26"/>
+    <p:sldId id="279" r:id="rId27"/>
+    <p:sldId id="280" r:id="rId28"/>
+    <p:sldId id="286" r:id="rId29"/>
+    <p:sldId id="287" r:id="rId30"/>
+    <p:sldId id="281" r:id="rId31"/>
+    <p:sldId id="282" r:id="rId32"/>
+    <p:sldId id="283" r:id="rId33"/>
+    <p:sldId id="284" r:id="rId34"/>
+    <p:sldId id="285" r:id="rId35"/>
   </p:sldIdLst>
   <p:sldSz cx="12192000" cy="6858000"/>
   <p:notesSz cx="6858000" cy="9144000"/>
@@ -889,7 +890,7 @@
           <a:p>
             <a:fld id="{41A25A5F-EED8-4361-ABFD-C029CF8CA6CD}" type="datetimeFigureOut">
               <a:rPr lang="en-US" smtClean="0"/>
-              <a:t>8/31/2021</a:t>
+              <a:t>9/6/2021</a:t>
             </a:fld>
             <a:endParaRPr lang="en-US"/>
           </a:p>
@@ -940,7 +941,7 @@
     </p:spTree>
     <p:extLst>
       <p:ext uri="{BB962C8B-B14F-4D97-AF65-F5344CB8AC3E}">
-        <p14:creationId xmlns:p14="http://schemas.microsoft.com/office/powerpoint/2010/main" val="542703010"/>
+        <p14:creationId xmlns:p14="http://schemas.microsoft.com/office/powerpoint/2010/main" val="1348021078"/>
       </p:ext>
     </p:extLst>
   </p:cSld>
@@ -1118,7 +1119,7 @@
             <a:pPr lvl="0"/>
             <a:r>
               <a:rPr lang="en-US"/>
-              <a:t>Click to edit Master text styles</a:t>
+              <a:t>Edit Master text styles</a:t>
             </a:r>
           </a:p>
         </p:txBody>
@@ -1140,7 +1141,7 @@
           <a:p>
             <a:fld id="{41A25A5F-EED8-4361-ABFD-C029CF8CA6CD}" type="datetimeFigureOut">
               <a:rPr lang="en-US" smtClean="0"/>
-              <a:t>8/31/2021</a:t>
+              <a:t>9/6/2021</a:t>
             </a:fld>
             <a:endParaRPr lang="en-US"/>
           </a:p>
@@ -1191,7 +1192,7 @@
     </p:spTree>
     <p:extLst>
       <p:ext uri="{BB962C8B-B14F-4D97-AF65-F5344CB8AC3E}">
-        <p14:creationId xmlns:p14="http://schemas.microsoft.com/office/powerpoint/2010/main" val="1725804290"/>
+        <p14:creationId xmlns:p14="http://schemas.microsoft.com/office/powerpoint/2010/main" val="1562179651"/>
       </p:ext>
     </p:extLst>
   </p:cSld>
@@ -1310,7 +1311,7 @@
             <a:pPr lvl="0"/>
             <a:r>
               <a:rPr lang="en-US"/>
-              <a:t>Click to edit Master text styles</a:t>
+              <a:t>Edit Master text styles</a:t>
             </a:r>
           </a:p>
         </p:txBody>
@@ -1432,7 +1433,7 @@
             <a:pPr lvl="0"/>
             <a:r>
               <a:rPr lang="en-US"/>
-              <a:t>Click to edit Master text styles</a:t>
+              <a:t>Edit Master text styles</a:t>
             </a:r>
           </a:p>
         </p:txBody>
@@ -1454,7 +1455,7 @@
           <a:p>
             <a:fld id="{41A25A5F-EED8-4361-ABFD-C029CF8CA6CD}" type="datetimeFigureOut">
               <a:rPr lang="en-US" smtClean="0"/>
-              <a:t>8/31/2021</a:t>
+              <a:t>9/6/2021</a:t>
             </a:fld>
             <a:endParaRPr lang="en-US"/>
           </a:p>
@@ -1587,7 +1588,7 @@
     </p:spTree>
     <p:extLst>
       <p:ext uri="{BB962C8B-B14F-4D97-AF65-F5344CB8AC3E}">
-        <p14:creationId xmlns:p14="http://schemas.microsoft.com/office/powerpoint/2010/main" val="3080078270"/>
+        <p14:creationId xmlns:p14="http://schemas.microsoft.com/office/powerpoint/2010/main" val="1378892936"/>
       </p:ext>
     </p:extLst>
   </p:cSld>
@@ -1765,7 +1766,7 @@
             <a:pPr lvl="0"/>
             <a:r>
               <a:rPr lang="en-US"/>
-              <a:t>Click to edit Master text styles</a:t>
+              <a:t>Edit Master text styles</a:t>
             </a:r>
           </a:p>
         </p:txBody>
@@ -1787,7 +1788,7 @@
           <a:p>
             <a:fld id="{41A25A5F-EED8-4361-ABFD-C029CF8CA6CD}" type="datetimeFigureOut">
               <a:rPr lang="en-US" smtClean="0"/>
-              <a:t>8/31/2021</a:t>
+              <a:t>9/6/2021</a:t>
             </a:fld>
             <a:endParaRPr lang="en-US"/>
           </a:p>
@@ -1838,7 +1839,7 @@
     </p:spTree>
     <p:extLst>
       <p:ext uri="{BB962C8B-B14F-4D97-AF65-F5344CB8AC3E}">
-        <p14:creationId xmlns:p14="http://schemas.microsoft.com/office/powerpoint/2010/main" val="3040832155"/>
+        <p14:creationId xmlns:p14="http://schemas.microsoft.com/office/powerpoint/2010/main" val="1593898564"/>
       </p:ext>
     </p:extLst>
   </p:cSld>
@@ -1957,7 +1958,7 @@
             <a:pPr lvl="0"/>
             <a:r>
               <a:rPr lang="en-US"/>
-              <a:t>Click to edit Master text styles</a:t>
+              <a:t>Edit Master text styles</a:t>
             </a:r>
           </a:p>
         </p:txBody>
@@ -2079,7 +2080,7 @@
             <a:pPr lvl="0"/>
             <a:r>
               <a:rPr lang="en-US"/>
-              <a:t>Click to edit Master text styles</a:t>
+              <a:t>Edit Master text styles</a:t>
             </a:r>
           </a:p>
         </p:txBody>
@@ -2101,7 +2102,7 @@
           <a:p>
             <a:fld id="{41A25A5F-EED8-4361-ABFD-C029CF8CA6CD}" type="datetimeFigureOut">
               <a:rPr lang="en-US" smtClean="0"/>
-              <a:t>8/31/2021</a:t>
+              <a:t>9/6/2021</a:t>
             </a:fld>
             <a:endParaRPr lang="en-US"/>
           </a:p>
@@ -2234,7 +2235,7 @@
     </p:spTree>
     <p:extLst>
       <p:ext uri="{BB962C8B-B14F-4D97-AF65-F5344CB8AC3E}">
-        <p14:creationId xmlns:p14="http://schemas.microsoft.com/office/powerpoint/2010/main" val="2866747197"/>
+        <p14:creationId xmlns:p14="http://schemas.microsoft.com/office/powerpoint/2010/main" val="3685195928"/>
       </p:ext>
     </p:extLst>
   </p:cSld>
@@ -2350,7 +2351,7 @@
             <a:pPr lvl="0"/>
             <a:r>
               <a:rPr lang="en-US"/>
-              <a:t>Click to edit Master text styles</a:t>
+              <a:t>Edit Master text styles</a:t>
             </a:r>
           </a:p>
         </p:txBody>
@@ -2472,7 +2473,7 @@
             <a:pPr lvl="0"/>
             <a:r>
               <a:rPr lang="en-US"/>
-              <a:t>Click to edit Master text styles</a:t>
+              <a:t>Edit Master text styles</a:t>
             </a:r>
           </a:p>
         </p:txBody>
@@ -2494,7 +2495,7 @@
           <a:p>
             <a:fld id="{41A25A5F-EED8-4361-ABFD-C029CF8CA6CD}" type="datetimeFigureOut">
               <a:rPr lang="en-US" smtClean="0"/>
-              <a:t>8/31/2021</a:t>
+              <a:t>9/6/2021</a:t>
             </a:fld>
             <a:endParaRPr lang="en-US"/>
           </a:p>
@@ -2545,7 +2546,7 @@
     </p:spTree>
     <p:extLst>
       <p:ext uri="{BB962C8B-B14F-4D97-AF65-F5344CB8AC3E}">
-        <p14:creationId xmlns:p14="http://schemas.microsoft.com/office/powerpoint/2010/main" val="1140770605"/>
+        <p14:creationId xmlns:p14="http://schemas.microsoft.com/office/powerpoint/2010/main" val="1821423465"/>
       </p:ext>
     </p:extLst>
   </p:cSld>
@@ -2613,7 +2614,7 @@
             <a:pPr lvl="0"/>
             <a:r>
               <a:rPr lang="en-US"/>
-              <a:t>Click to edit Master text styles</a:t>
+              <a:t>Edit Master text styles</a:t>
             </a:r>
           </a:p>
           <a:p>
@@ -2664,7 +2665,7 @@
           <a:p>
             <a:fld id="{41A25A5F-EED8-4361-ABFD-C029CF8CA6CD}" type="datetimeFigureOut">
               <a:rPr lang="en-US" smtClean="0"/>
-              <a:t>8/31/2021</a:t>
+              <a:t>9/6/2021</a:t>
             </a:fld>
             <a:endParaRPr lang="en-US"/>
           </a:p>
@@ -2715,7 +2716,7 @@
     </p:spTree>
     <p:extLst>
       <p:ext uri="{BB962C8B-B14F-4D97-AF65-F5344CB8AC3E}">
-        <p14:creationId xmlns:p14="http://schemas.microsoft.com/office/powerpoint/2010/main" val="857848288"/>
+        <p14:creationId xmlns:p14="http://schemas.microsoft.com/office/powerpoint/2010/main" val="1679869345"/>
       </p:ext>
     </p:extLst>
   </p:cSld>
@@ -2793,7 +2794,7 @@
             <a:pPr lvl="0"/>
             <a:r>
               <a:rPr lang="en-US"/>
-              <a:t>Click to edit Master text styles</a:t>
+              <a:t>Edit Master text styles</a:t>
             </a:r>
           </a:p>
           <a:p>
@@ -2844,7 +2845,7 @@
           <a:p>
             <a:fld id="{41A25A5F-EED8-4361-ABFD-C029CF8CA6CD}" type="datetimeFigureOut">
               <a:rPr lang="en-US" smtClean="0"/>
-              <a:t>8/31/2021</a:t>
+              <a:t>9/6/2021</a:t>
             </a:fld>
             <a:endParaRPr lang="en-US"/>
           </a:p>
@@ -2895,7 +2896,7 @@
     </p:spTree>
     <p:extLst>
       <p:ext uri="{BB962C8B-B14F-4D97-AF65-F5344CB8AC3E}">
-        <p14:creationId xmlns:p14="http://schemas.microsoft.com/office/powerpoint/2010/main" val="2980190971"/>
+        <p14:creationId xmlns:p14="http://schemas.microsoft.com/office/powerpoint/2010/main" val="3291797234"/>
       </p:ext>
     </p:extLst>
   </p:cSld>
@@ -2963,7 +2964,7 @@
             <a:pPr lvl="0"/>
             <a:r>
               <a:rPr lang="en-US"/>
-              <a:t>Click to edit Master text styles</a:t>
+              <a:t>Edit Master text styles</a:t>
             </a:r>
           </a:p>
           <a:p>
@@ -3014,7 +3015,7 @@
           <a:p>
             <a:fld id="{41A25A5F-EED8-4361-ABFD-C029CF8CA6CD}" type="datetimeFigureOut">
               <a:rPr lang="en-US" smtClean="0"/>
-              <a:t>8/31/2021</a:t>
+              <a:t>9/6/2021</a:t>
             </a:fld>
             <a:endParaRPr lang="en-US"/>
           </a:p>
@@ -3065,7 +3066,7 @@
     </p:spTree>
     <p:extLst>
       <p:ext uri="{BB962C8B-B14F-4D97-AF65-F5344CB8AC3E}">
-        <p14:creationId xmlns:p14="http://schemas.microsoft.com/office/powerpoint/2010/main" val="2599440626"/>
+        <p14:creationId xmlns:p14="http://schemas.microsoft.com/office/powerpoint/2010/main" val="2713237189"/>
       </p:ext>
     </p:extLst>
   </p:cSld>
@@ -3239,7 +3240,7 @@
             <a:pPr lvl="0"/>
             <a:r>
               <a:rPr lang="en-US"/>
-              <a:t>Click to edit Master text styles</a:t>
+              <a:t>Edit Master text styles</a:t>
             </a:r>
           </a:p>
         </p:txBody>
@@ -3261,7 +3262,7 @@
           <a:p>
             <a:fld id="{41A25A5F-EED8-4361-ABFD-C029CF8CA6CD}" type="datetimeFigureOut">
               <a:rPr lang="en-US" smtClean="0"/>
-              <a:t>8/31/2021</a:t>
+              <a:t>9/6/2021</a:t>
             </a:fld>
             <a:endParaRPr lang="en-US"/>
           </a:p>
@@ -3312,7 +3313,7 @@
     </p:spTree>
     <p:extLst>
       <p:ext uri="{BB962C8B-B14F-4D97-AF65-F5344CB8AC3E}">
-        <p14:creationId xmlns:p14="http://schemas.microsoft.com/office/powerpoint/2010/main" val="2124711002"/>
+        <p14:creationId xmlns:p14="http://schemas.microsoft.com/office/powerpoint/2010/main" val="2469536769"/>
       </p:ext>
     </p:extLst>
   </p:cSld>
@@ -3385,7 +3386,7 @@
             <a:pPr lvl="0"/>
             <a:r>
               <a:rPr lang="en-US"/>
-              <a:t>Click to edit Master text styles</a:t>
+              <a:t>Edit Master text styles</a:t>
             </a:r>
           </a:p>
           <a:p>
@@ -3442,7 +3443,7 @@
             <a:pPr lvl="0"/>
             <a:r>
               <a:rPr lang="en-US"/>
-              <a:t>Click to edit Master text styles</a:t>
+              <a:t>Edit Master text styles</a:t>
             </a:r>
           </a:p>
           <a:p>
@@ -3493,7 +3494,7 @@
           <a:p>
             <a:fld id="{41A25A5F-EED8-4361-ABFD-C029CF8CA6CD}" type="datetimeFigureOut">
               <a:rPr lang="en-US" smtClean="0"/>
-              <a:t>8/31/2021</a:t>
+              <a:t>9/6/2021</a:t>
             </a:fld>
             <a:endParaRPr lang="en-US"/>
           </a:p>
@@ -3544,7 +3545,7 @@
     </p:spTree>
     <p:extLst>
       <p:ext uri="{BB962C8B-B14F-4D97-AF65-F5344CB8AC3E}">
-        <p14:creationId xmlns:p14="http://schemas.microsoft.com/office/powerpoint/2010/main" val="555724266"/>
+        <p14:creationId xmlns:p14="http://schemas.microsoft.com/office/powerpoint/2010/main" val="46493991"/>
       </p:ext>
     </p:extLst>
   </p:cSld>
@@ -3660,7 +3661,7 @@
             <a:pPr lvl="0"/>
             <a:r>
               <a:rPr lang="en-US"/>
-              <a:t>Click to edit Master text styles</a:t>
+              <a:t>Edit Master text styles</a:t>
             </a:r>
           </a:p>
         </p:txBody>
@@ -3690,7 +3691,7 @@
             <a:pPr lvl="0"/>
             <a:r>
               <a:rPr lang="en-US"/>
-              <a:t>Click to edit Master text styles</a:t>
+              <a:t>Edit Master text styles</a:t>
             </a:r>
           </a:p>
           <a:p>
@@ -3786,7 +3787,7 @@
             <a:pPr lvl="0"/>
             <a:r>
               <a:rPr lang="en-US"/>
-              <a:t>Click to edit Master text styles</a:t>
+              <a:t>Edit Master text styles</a:t>
             </a:r>
           </a:p>
         </p:txBody>
@@ -3816,7 +3817,7 @@
             <a:pPr lvl="0"/>
             <a:r>
               <a:rPr lang="en-US"/>
-              <a:t>Click to edit Master text styles</a:t>
+              <a:t>Edit Master text styles</a:t>
             </a:r>
           </a:p>
           <a:p>
@@ -3867,7 +3868,7 @@
           <a:p>
             <a:fld id="{41A25A5F-EED8-4361-ABFD-C029CF8CA6CD}" type="datetimeFigureOut">
               <a:rPr lang="en-US" smtClean="0"/>
-              <a:t>8/31/2021</a:t>
+              <a:t>9/6/2021</a:t>
             </a:fld>
             <a:endParaRPr lang="en-US"/>
           </a:p>
@@ -3918,7 +3919,7 @@
     </p:spTree>
     <p:extLst>
       <p:ext uri="{BB962C8B-B14F-4D97-AF65-F5344CB8AC3E}">
-        <p14:creationId xmlns:p14="http://schemas.microsoft.com/office/powerpoint/2010/main" val="2629227000"/>
+        <p14:creationId xmlns:p14="http://schemas.microsoft.com/office/powerpoint/2010/main" val="2800642693"/>
       </p:ext>
     </p:extLst>
   </p:cSld>
@@ -3990,7 +3991,7 @@
           <a:p>
             <a:fld id="{41A25A5F-EED8-4361-ABFD-C029CF8CA6CD}" type="datetimeFigureOut">
               <a:rPr lang="en-US" smtClean="0"/>
-              <a:t>8/31/2021</a:t>
+              <a:t>9/6/2021</a:t>
             </a:fld>
             <a:endParaRPr lang="en-US"/>
           </a:p>
@@ -4041,7 +4042,7 @@
     </p:spTree>
     <p:extLst>
       <p:ext uri="{BB962C8B-B14F-4D97-AF65-F5344CB8AC3E}">
-        <p14:creationId xmlns:p14="http://schemas.microsoft.com/office/powerpoint/2010/main" val="2124521714"/>
+        <p14:creationId xmlns:p14="http://schemas.microsoft.com/office/powerpoint/2010/main" val="2180893262"/>
       </p:ext>
     </p:extLst>
   </p:cSld>
@@ -4085,7 +4086,7 @@
           <a:p>
             <a:fld id="{41A25A5F-EED8-4361-ABFD-C029CF8CA6CD}" type="datetimeFigureOut">
               <a:rPr lang="en-US" smtClean="0"/>
-              <a:t>8/31/2021</a:t>
+              <a:t>9/6/2021</a:t>
             </a:fld>
             <a:endParaRPr lang="en-US"/>
           </a:p>
@@ -4136,7 +4137,7 @@
     </p:spTree>
     <p:extLst>
       <p:ext uri="{BB962C8B-B14F-4D97-AF65-F5344CB8AC3E}">
-        <p14:creationId xmlns:p14="http://schemas.microsoft.com/office/powerpoint/2010/main" val="350540549"/>
+        <p14:creationId xmlns:p14="http://schemas.microsoft.com/office/powerpoint/2010/main" val="782826121"/>
       </p:ext>
     </p:extLst>
   </p:cSld>
@@ -4222,7 +4223,7 @@
             <a:pPr lvl="0"/>
             <a:r>
               <a:rPr lang="en-US"/>
-              <a:t>Click to edit Master text styles</a:t>
+              <a:t>Edit Master text styles</a:t>
             </a:r>
           </a:p>
           <a:p>
@@ -4318,7 +4319,7 @@
             <a:pPr lvl="0"/>
             <a:r>
               <a:rPr lang="en-US"/>
-              <a:t>Click to edit Master text styles</a:t>
+              <a:t>Edit Master text styles</a:t>
             </a:r>
           </a:p>
         </p:txBody>
@@ -4340,7 +4341,7 @@
           <a:p>
             <a:fld id="{41A25A5F-EED8-4361-ABFD-C029CF8CA6CD}" type="datetimeFigureOut">
               <a:rPr lang="en-US" smtClean="0"/>
-              <a:t>8/31/2021</a:t>
+              <a:t>9/6/2021</a:t>
             </a:fld>
             <a:endParaRPr lang="en-US"/>
           </a:p>
@@ -4391,7 +4392,7 @@
     </p:spTree>
     <p:extLst>
       <p:ext uri="{BB962C8B-B14F-4D97-AF65-F5344CB8AC3E}">
-        <p14:creationId xmlns:p14="http://schemas.microsoft.com/office/powerpoint/2010/main" val="1170139269"/>
+        <p14:creationId xmlns:p14="http://schemas.microsoft.com/office/powerpoint/2010/main" val="1167051097"/>
       </p:ext>
     </p:extLst>
   </p:cSld>
@@ -4581,7 +4582,7 @@
             <a:pPr lvl="0"/>
             <a:r>
               <a:rPr lang="en-US"/>
-              <a:t>Click to edit Master text styles</a:t>
+              <a:t>Edit Master text styles</a:t>
             </a:r>
           </a:p>
         </p:txBody>
@@ -4645,7 +4646,7 @@
           <a:p>
             <a:fld id="{41A25A5F-EED8-4361-ABFD-C029CF8CA6CD}" type="datetimeFigureOut">
               <a:rPr lang="en-US" smtClean="0"/>
-              <a:t>8/31/2021</a:t>
+              <a:t>9/6/2021</a:t>
             </a:fld>
             <a:endParaRPr lang="en-US"/>
           </a:p>
@@ -4654,7 +4655,7 @@
     </p:spTree>
     <p:extLst>
       <p:ext uri="{BB962C8B-B14F-4D97-AF65-F5344CB8AC3E}">
-        <p14:creationId xmlns:p14="http://schemas.microsoft.com/office/powerpoint/2010/main" val="4141176352"/>
+        <p14:creationId xmlns:p14="http://schemas.microsoft.com/office/powerpoint/2010/main" val="72929197"/>
       </p:ext>
     </p:extLst>
   </p:cSld>
@@ -5278,7 +5279,7 @@
             <a:pPr lvl="0"/>
             <a:r>
               <a:rPr lang="en-US"/>
-              <a:t>Click to edit Master text styles</a:t>
+              <a:t>Edit Master text styles</a:t>
             </a:r>
           </a:p>
           <a:p>
@@ -5347,7 +5348,7 @@
           <a:p>
             <a:fld id="{41A25A5F-EED8-4361-ABFD-C029CF8CA6CD}" type="datetimeFigureOut">
               <a:rPr lang="en-US" smtClean="0"/>
-              <a:t>8/31/2021</a:t>
+              <a:t>9/6/2021</a:t>
             </a:fld>
             <a:endParaRPr lang="en-US"/>
           </a:p>
@@ -5432,28 +5433,28 @@
     </p:spTree>
     <p:extLst>
       <p:ext uri="{BB962C8B-B14F-4D97-AF65-F5344CB8AC3E}">
-        <p14:creationId xmlns:p14="http://schemas.microsoft.com/office/powerpoint/2010/main" val="2186641761"/>
+        <p14:creationId xmlns:p14="http://schemas.microsoft.com/office/powerpoint/2010/main" val="4124105680"/>
       </p:ext>
     </p:extLst>
   </p:cSld>
   <p:clrMap bg1="lt1" tx1="dk1" bg2="lt2" tx2="dk2" accent1="accent1" accent2="accent2" accent3="accent3" accent4="accent4" accent5="accent5" accent6="accent6" hlink="hlink" folHlink="folHlink"/>
   <p:sldLayoutIdLst>
-    <p:sldLayoutId id="2147483837" r:id="rId1"/>
-    <p:sldLayoutId id="2147483838" r:id="rId2"/>
-    <p:sldLayoutId id="2147483839" r:id="rId3"/>
-    <p:sldLayoutId id="2147483840" r:id="rId4"/>
-    <p:sldLayoutId id="2147483841" r:id="rId5"/>
-    <p:sldLayoutId id="2147483842" r:id="rId6"/>
-    <p:sldLayoutId id="2147483843" r:id="rId7"/>
-    <p:sldLayoutId id="2147483844" r:id="rId8"/>
-    <p:sldLayoutId id="2147483845" r:id="rId9"/>
-    <p:sldLayoutId id="2147483846" r:id="rId10"/>
-    <p:sldLayoutId id="2147483847" r:id="rId11"/>
-    <p:sldLayoutId id="2147483848" r:id="rId12"/>
-    <p:sldLayoutId id="2147483849" r:id="rId13"/>
-    <p:sldLayoutId id="2147483850" r:id="rId14"/>
-    <p:sldLayoutId id="2147483851" r:id="rId15"/>
-    <p:sldLayoutId id="2147483852" r:id="rId16"/>
+    <p:sldLayoutId id="2147483917" r:id="rId1"/>
+    <p:sldLayoutId id="2147483918" r:id="rId2"/>
+    <p:sldLayoutId id="2147483919" r:id="rId3"/>
+    <p:sldLayoutId id="2147483920" r:id="rId4"/>
+    <p:sldLayoutId id="2147483921" r:id="rId5"/>
+    <p:sldLayoutId id="2147483922" r:id="rId6"/>
+    <p:sldLayoutId id="2147483923" r:id="rId7"/>
+    <p:sldLayoutId id="2147483924" r:id="rId8"/>
+    <p:sldLayoutId id="2147483925" r:id="rId9"/>
+    <p:sldLayoutId id="2147483926" r:id="rId10"/>
+    <p:sldLayoutId id="2147483927" r:id="rId11"/>
+    <p:sldLayoutId id="2147483928" r:id="rId12"/>
+    <p:sldLayoutId id="2147483929" r:id="rId13"/>
+    <p:sldLayoutId id="2147483930" r:id="rId14"/>
+    <p:sldLayoutId id="2147483931" r:id="rId15"/>
+    <p:sldLayoutId id="2147483932" r:id="rId16"/>
   </p:sldLayoutIdLst>
   <p:txStyles>
     <p:titleStyle>
@@ -5857,6 +5858,36 @@
 <file path=ppt/slides/slide1.xml><?xml version="1.0" encoding="utf-8"?>
 <p:sld xmlns:a="http://schemas.openxmlformats.org/drawingml/2006/main" xmlns:r="http://schemas.openxmlformats.org/officeDocument/2006/relationships" xmlns:p="http://schemas.openxmlformats.org/presentationml/2006/main">
   <p:cSld>
+    <p:bg>
+      <p:bgPr>
+        <a:gradFill flip="none" rotWithShape="1">
+          <a:gsLst>
+            <a:gs pos="0">
+              <a:schemeClr val="accent2">
+                <a:lumMod val="0"/>
+                <a:lumOff val="100000"/>
+              </a:schemeClr>
+            </a:gs>
+            <a:gs pos="35000">
+              <a:schemeClr val="accent2">
+                <a:lumMod val="0"/>
+                <a:lumOff val="100000"/>
+              </a:schemeClr>
+            </a:gs>
+            <a:gs pos="100000">
+              <a:schemeClr val="accent2">
+                <a:lumMod val="100000"/>
+              </a:schemeClr>
+            </a:gs>
+          </a:gsLst>
+          <a:path path="circle">
+            <a:fillToRect l="50000" t="-80000" r="50000" b="180000"/>
+          </a:path>
+          <a:tileRect/>
+        </a:gradFill>
+        <a:effectLst/>
+      </p:bgPr>
+    </p:bg>
     <p:spTree>
       <p:nvGrpSpPr>
         <p:cNvPr id="1" name=""/>
@@ -5898,7 +5929,7 @@
         </p:blipFill>
         <p:spPr bwMode="auto">
           <a:xfrm>
-            <a:off x="363977" y="216022"/>
+            <a:off x="520320" y="514721"/>
             <a:ext cx="1212215" cy="1203325"/>
           </a:xfrm>
           <a:prstGeom prst="rect">
@@ -5937,7 +5968,7 @@
         </p:blipFill>
         <p:spPr bwMode="auto">
           <a:xfrm>
-            <a:off x="10730108" y="216021"/>
+            <a:off x="10459465" y="514721"/>
             <a:ext cx="1212215" cy="1203325"/>
           </a:xfrm>
           <a:prstGeom prst="rect">
@@ -5964,7 +5995,7 @@
         <p:spPr>
           <a:xfrm>
             <a:off x="2003180" y="298966"/>
-            <a:ext cx="8185638" cy="2277547"/>
+            <a:ext cx="8185638" cy="2645468"/>
           </a:xfrm>
           <a:prstGeom prst="rect">
             <a:avLst/>
@@ -5989,7 +6020,7 @@
               </a:spcAft>
             </a:pPr>
             <a:r>
-              <a:rPr lang="en-US" sz="2000" b="1" dirty="0">
+              <a:rPr lang="en-US" sz="3200" b="1" dirty="0">
                 <a:ln w="6731" cap="flat" cmpd="sng" algn="ctr">
                   <a:solidFill>
                     <a:srgbClr val="FFFFFF"/>
@@ -5998,7 +6029,7 @@
                   <a:round/>
                 </a:ln>
                 <a:solidFill>
-                  <a:srgbClr val="262626"/>
+                  <a:srgbClr val="002060"/>
                 </a:solidFill>
                 <a:effectLst>
                   <a:outerShdw dist="38100" dir="2700000" algn="bl">
@@ -6009,9 +6040,12 @@
                 <a:ea typeface="Calibri" panose="020F0502020204030204" pitchFamily="34" charset="0"/>
                 <a:cs typeface="Mangal" panose="02040503050203030202" pitchFamily="18" charset="0"/>
               </a:rPr>
-              <a:t>FACE RECOGNITION STUDENT ATTENDANCE SYSTEM</a:t>
-            </a:r>
-            <a:endParaRPr lang="en-US" sz="2000" dirty="0">
+              <a:t>Hospital  Bed Booking Management System </a:t>
+            </a:r>
+            <a:endParaRPr lang="en-US" sz="3200" dirty="0">
+              <a:solidFill>
+                <a:srgbClr val="002060"/>
+              </a:solidFill>
               <a:effectLst/>
               <a:latin typeface="Calibri" panose="020F0502020204030204" pitchFamily="34" charset="0"/>
               <a:ea typeface="Calibri" panose="020F0502020204030204" pitchFamily="34" charset="0"/>
@@ -6053,12 +6087,12 @@
               <a:buNone/>
             </a:pPr>
             <a:r>
-              <a:rPr kumimoji="0" lang="en-US" altLang="en-US" sz="1800" b="0" i="0" u="none" strike="noStrike" cap="none" normalizeH="0" baseline="0" dirty="0">
+              <a:rPr kumimoji="0" lang="en-US" altLang="en-US" sz="1500" b="0" i="0" u="none" strike="noStrike" cap="none" normalizeH="0" baseline="0" dirty="0">
                 <a:ln>
                   <a:noFill/>
                 </a:ln>
                 <a:solidFill>
-                  <a:srgbClr val="7030A0"/>
+                  <a:srgbClr val="0070C0"/>
                 </a:solidFill>
                 <a:effectLst/>
                 <a:latin typeface="Garamond" panose="02020404030301010803" pitchFamily="18" charset="0"/>
@@ -6081,12 +6115,12 @@
               <a:buFontTx/>
               <a:buNone/>
             </a:pPr>
-            <a:endParaRPr kumimoji="0" lang="en-US" altLang="en-US" sz="800" b="0" i="0" u="none" strike="noStrike" cap="none" normalizeH="0" baseline="0" dirty="0">
+            <a:endParaRPr kumimoji="0" lang="en-US" altLang="en-US" sz="1500" b="0" i="0" u="none" strike="noStrike" cap="none" normalizeH="0" baseline="0" dirty="0">
               <a:ln>
                 <a:noFill/>
               </a:ln>
               <a:solidFill>
-                <a:schemeClr val="tx1"/>
+                <a:srgbClr val="0070C0"/>
               </a:solidFill>
               <a:effectLst/>
               <a:latin typeface="Garamond" panose="02020404030301010803" pitchFamily="18" charset="0"/>
@@ -6107,12 +6141,12 @@
               <a:buNone/>
             </a:pPr>
             <a:r>
-              <a:rPr kumimoji="0" lang="en-US" altLang="en-US" sz="1800" b="0" i="0" u="none" strike="noStrike" cap="none" normalizeH="0" baseline="0" dirty="0">
+              <a:rPr kumimoji="0" lang="en-US" altLang="en-US" sz="1500" b="0" i="0" u="none" strike="noStrike" cap="none" normalizeH="0" baseline="0" dirty="0">
                 <a:ln>
                   <a:noFill/>
                 </a:ln>
                 <a:solidFill>
-                  <a:srgbClr val="7030A0"/>
+                  <a:srgbClr val="0070C0"/>
                 </a:solidFill>
                 <a:effectLst/>
                 <a:latin typeface="Garamond" panose="02020404030301010803" pitchFamily="18" charset="0"/>
@@ -6161,7 +6195,7 @@
               <a:buNone/>
             </a:pPr>
             <a:r>
-              <a:rPr kumimoji="0" lang="en-US" altLang="en-US" sz="2000" b="1" i="0" u="none" strike="noStrike" cap="none" normalizeH="0" baseline="0" dirty="0">
+              <a:rPr kumimoji="0" lang="en-US" altLang="en-US" sz="2500" b="1" i="0" u="none" strike="noStrike" cap="none" normalizeH="0" baseline="0" dirty="0">
                 <a:ln>
                   <a:noFill/>
                 </a:ln>
@@ -6169,11 +6203,11 @@
                   <a:schemeClr val="tx1"/>
                 </a:solidFill>
                 <a:effectLst/>
-                <a:latin typeface="Garamond" panose="02020404030301010803" pitchFamily="18" charset="0"/>
+                <a:latin typeface="Franklin Gothic Demi Cond" panose="020B0706030402020204" pitchFamily="34" charset="0"/>
                 <a:ea typeface="Times New Roman" panose="02020603050405020304" pitchFamily="18" charset="0"/>
                 <a:cs typeface="Garamond" panose="02020404030301010803" pitchFamily="18" charset="0"/>
               </a:rPr>
-              <a:t>DR. HARI SINGH GOUR CENTRAL UNIVERSITY </a:t>
+              <a:t>DR. HARISINGH GOUR A CENTRAL UNIVERSITY </a:t>
             </a:r>
           </a:p>
           <a:p>
@@ -6190,7 +6224,7 @@
               <a:buNone/>
             </a:pPr>
             <a:r>
-              <a:rPr kumimoji="0" lang="en-US" altLang="en-US" sz="2000" b="1" i="0" u="none" strike="noStrike" cap="none" normalizeH="0" baseline="0" dirty="0">
+              <a:rPr kumimoji="0" lang="en-US" altLang="en-US" sz="2500" b="1" i="0" u="none" strike="noStrike" cap="none" normalizeH="0" baseline="0" dirty="0">
                 <a:ln>
                   <a:noFill/>
                 </a:ln>
@@ -6198,7 +6232,7 @@
                   <a:schemeClr val="tx1"/>
                 </a:solidFill>
                 <a:effectLst/>
-                <a:latin typeface="Garamond" panose="02020404030301010803" pitchFamily="18" charset="0"/>
+                <a:latin typeface="Franklin Gothic Demi Cond" panose="020B0706030402020204" pitchFamily="34" charset="0"/>
                 <a:ea typeface="Times New Roman" panose="02020603050405020304" pitchFamily="18" charset="0"/>
                 <a:cs typeface="Garamond" panose="02020404030301010803" pitchFamily="18" charset="0"/>
               </a:rPr>
@@ -6226,7 +6260,7 @@
         </p:nvSpPr>
         <p:spPr bwMode="auto">
           <a:xfrm>
-            <a:off x="3416934" y="2576880"/>
+            <a:off x="3416934" y="2873442"/>
             <a:ext cx="5358130" cy="1476375"/>
           </a:xfrm>
           <a:prstGeom prst="rect">
@@ -6383,13 +6417,13 @@
                   <a:schemeClr val="tx1"/>
                 </a:solidFill>
                 <a:effectLst/>
-                <a:latin typeface="Garamond" panose="02020404030301010803" pitchFamily="18" charset="0"/>
+                <a:latin typeface="Goudy Old Style" panose="02020502050305020303" pitchFamily="18" charset="0"/>
                 <a:ea typeface="Times New Roman" panose="02020603050405020304" pitchFamily="18" charset="0"/>
                 <a:cs typeface="Garamond" panose="02020404030301010803" pitchFamily="18" charset="0"/>
               </a:rPr>
               <a:t>MAJOR PROJECT PRESENTATION</a:t>
             </a:r>
-            <a:endParaRPr kumimoji="0" lang="en-US" altLang="en-US" sz="400" b="0" i="0" u="none" strike="noStrike" cap="none" normalizeH="0" baseline="0" dirty="0">
+            <a:endParaRPr kumimoji="0" lang="en-US" altLang="en-US" sz="400" b="1" i="0" u="none" strike="noStrike" cap="none" normalizeH="0" baseline="0" dirty="0">
               <a:ln>
                 <a:noFill/>
               </a:ln>
@@ -6397,7 +6431,7 @@
                 <a:schemeClr val="tx1"/>
               </a:solidFill>
               <a:effectLst/>
-              <a:latin typeface="Garamond" panose="02020404030301010803" pitchFamily="18" charset="0"/>
+              <a:latin typeface="Goudy Old Style" panose="02020502050305020303" pitchFamily="18" charset="0"/>
               <a:cs typeface="Garamond" panose="02020404030301010803" pitchFamily="18" charset="0"/>
             </a:endParaRPr>
           </a:p>
@@ -6418,7 +6452,7 @@
               <a:buNone/>
             </a:pPr>
             <a:r>
-              <a:rPr kumimoji="0" lang="en-US" altLang="en-US" sz="1400" b="0" i="0" u="none" strike="noStrike" cap="none" normalizeH="0" baseline="0" dirty="0">
+              <a:rPr kumimoji="0" lang="en-US" altLang="en-US" sz="1400" b="1" i="0" u="none" strike="noStrike" cap="none" normalizeH="0" baseline="0" dirty="0">
                 <a:ln>
                   <a:noFill/>
                 </a:ln>
@@ -6426,14 +6460,14 @@
                   <a:schemeClr val="tx1"/>
                 </a:solidFill>
                 <a:effectLst/>
-                <a:latin typeface="Garamond" panose="02020404030301010803" pitchFamily="18" charset="0"/>
+                <a:latin typeface="Goudy Old Style" panose="02020502050305020303" pitchFamily="18" charset="0"/>
                 <a:ea typeface="Times New Roman" panose="02020603050405020304" pitchFamily="18" charset="0"/>
                 <a:cs typeface="Garamond" panose="02020404030301010803" pitchFamily="18" charset="0"/>
               </a:rPr>
               <a:t>Submitted by</a:t>
             </a:r>
             <a:r>
-              <a:rPr kumimoji="0" lang="en-IN" altLang="en-US" sz="1400" b="0" i="0" u="none" strike="noStrike" cap="none" normalizeH="0" baseline="0" dirty="0">
+              <a:rPr kumimoji="0" lang="en-IN" altLang="en-US" sz="1400" b="1" i="0" u="none" strike="noStrike" cap="none" normalizeH="0" baseline="0" dirty="0">
                 <a:ln>
                   <a:noFill/>
                 </a:ln>
@@ -6441,13 +6475,13 @@
                   <a:schemeClr val="tx1"/>
                 </a:solidFill>
                 <a:effectLst/>
-                <a:latin typeface="Garamond" panose="02020404030301010803" pitchFamily="18" charset="0"/>
+                <a:latin typeface="Goudy Old Style" panose="02020502050305020303" pitchFamily="18" charset="0"/>
                 <a:ea typeface="Times New Roman" panose="02020603050405020304" pitchFamily="18" charset="0"/>
                 <a:cs typeface="Garamond" panose="02020404030301010803" pitchFamily="18" charset="0"/>
               </a:rPr>
               <a:t>:</a:t>
             </a:r>
-            <a:endParaRPr kumimoji="0" lang="en-US" altLang="en-US" sz="400" b="0" i="0" u="none" strike="noStrike" cap="none" normalizeH="0" baseline="0" dirty="0">
+            <a:endParaRPr kumimoji="0" lang="en-US" altLang="en-US" sz="400" b="1" i="0" u="none" strike="noStrike" cap="none" normalizeH="0" baseline="0" dirty="0">
               <a:ln>
                 <a:noFill/>
               </a:ln>
@@ -6455,7 +6489,7 @@
                 <a:schemeClr val="tx1"/>
               </a:solidFill>
               <a:effectLst/>
-              <a:latin typeface="Garamond" panose="02020404030301010803" pitchFamily="18" charset="0"/>
+              <a:latin typeface="Goudy Old Style" panose="02020502050305020303" pitchFamily="18" charset="0"/>
               <a:cs typeface="Garamond" panose="02020404030301010803" pitchFamily="18" charset="0"/>
             </a:endParaRPr>
           </a:p>
@@ -6476,7 +6510,7 @@
               <a:buNone/>
             </a:pPr>
             <a:r>
-              <a:rPr kumimoji="0" lang="en-US" altLang="en-US" sz="1400" b="0" i="0" u="none" strike="noStrike" cap="none" normalizeH="0" baseline="0" dirty="0">
+              <a:rPr kumimoji="0" lang="en-US" altLang="en-US" sz="1400" b="1" i="0" u="none" strike="noStrike" cap="none" normalizeH="0" baseline="0" dirty="0">
                 <a:ln>
                   <a:noFill/>
                 </a:ln>
@@ -6484,7 +6518,7 @@
                   <a:schemeClr val="tx1"/>
                 </a:solidFill>
                 <a:effectLst/>
-                <a:latin typeface="Garamond" panose="02020404030301010803" pitchFamily="18" charset="0"/>
+                <a:latin typeface="Goudy Old Style" panose="02020502050305020303" pitchFamily="18" charset="0"/>
                 <a:cs typeface="Garamond" panose="02020404030301010803" pitchFamily="18" charset="0"/>
               </a:rPr>
               <a:t>Shrikant Dwivedi</a:t>
@@ -6507,7 +6541,7 @@
               <a:buNone/>
             </a:pPr>
             <a:r>
-              <a:rPr kumimoji="0" lang="en-US" altLang="en-US" sz="1400" b="0" i="0" u="none" strike="noStrike" cap="none" normalizeH="0" baseline="0" dirty="0">
+              <a:rPr kumimoji="0" lang="en-US" altLang="en-US" sz="1400" b="1" i="0" u="none" strike="noStrike" cap="none" normalizeH="0" baseline="0" dirty="0">
                 <a:ln>
                   <a:noFill/>
                 </a:ln>
@@ -6515,13 +6549,13 @@
                   <a:schemeClr val="tx1"/>
                 </a:solidFill>
                 <a:effectLst/>
-                <a:latin typeface="Garamond" panose="02020404030301010803" pitchFamily="18" charset="0"/>
+                <a:latin typeface="Goudy Old Style" panose="02020502050305020303" pitchFamily="18" charset="0"/>
                 <a:ea typeface="Times New Roman" panose="02020603050405020304" pitchFamily="18" charset="0"/>
                 <a:cs typeface="Garamond" panose="02020404030301010803" pitchFamily="18" charset="0"/>
               </a:rPr>
               <a:t> (Y18271032)</a:t>
             </a:r>
-            <a:endParaRPr kumimoji="0" lang="en-US" altLang="en-US" sz="400" b="0" i="0" u="none" strike="noStrike" cap="none" normalizeH="0" baseline="0" dirty="0">
+            <a:endParaRPr kumimoji="0" lang="en-US" altLang="en-US" sz="400" b="1" i="0" u="none" strike="noStrike" cap="none" normalizeH="0" baseline="0" dirty="0">
               <a:ln>
                 <a:noFill/>
               </a:ln>
@@ -6529,7 +6563,7 @@
                 <a:schemeClr val="tx1"/>
               </a:solidFill>
               <a:effectLst/>
-              <a:latin typeface="Garamond" panose="02020404030301010803" pitchFamily="18" charset="0"/>
+              <a:latin typeface="Goudy Old Style" panose="02020502050305020303" pitchFamily="18" charset="0"/>
               <a:cs typeface="Garamond" panose="02020404030301010803" pitchFamily="18" charset="0"/>
             </a:endParaRPr>
           </a:p>
@@ -6550,7 +6584,7 @@
               <a:buNone/>
             </a:pPr>
             <a:r>
-              <a:rPr kumimoji="0" lang="en-US" altLang="en-US" sz="1600" b="0" i="0" u="none" strike="noStrike" cap="none" normalizeH="0" baseline="0" dirty="0">
+              <a:rPr kumimoji="0" lang="en-US" altLang="en-US" sz="1600" b="1" i="0" u="none" strike="noStrike" cap="none" normalizeH="0" baseline="0" dirty="0">
                 <a:ln>
                   <a:noFill/>
                 </a:ln>
@@ -6558,13 +6592,13 @@
                   <a:schemeClr val="tx1"/>
                 </a:solidFill>
                 <a:effectLst/>
-                <a:latin typeface="Garamond" panose="02020404030301010803" pitchFamily="18" charset="0"/>
+                <a:latin typeface="Goudy Old Style" panose="02020502050305020303" pitchFamily="18" charset="0"/>
                 <a:ea typeface="Times New Roman" panose="02020603050405020304" pitchFamily="18" charset="0"/>
                 <a:cs typeface="Garamond" panose="02020404030301010803" pitchFamily="18" charset="0"/>
               </a:rPr>
               <a:t>Under the Guidance of</a:t>
             </a:r>
-            <a:endParaRPr kumimoji="0" lang="en-US" altLang="en-US" sz="400" b="0" i="0" u="none" strike="noStrike" cap="none" normalizeH="0" baseline="0" dirty="0">
+            <a:endParaRPr kumimoji="0" lang="en-US" altLang="en-US" sz="400" b="1" i="0" u="none" strike="noStrike" cap="none" normalizeH="0" baseline="0" dirty="0">
               <a:ln>
                 <a:noFill/>
               </a:ln>
@@ -6572,7 +6606,7 @@
                 <a:schemeClr val="tx1"/>
               </a:solidFill>
               <a:effectLst/>
-              <a:latin typeface="Garamond" panose="02020404030301010803" pitchFamily="18" charset="0"/>
+              <a:latin typeface="Goudy Old Style" panose="02020502050305020303" pitchFamily="18" charset="0"/>
               <a:cs typeface="Garamond" panose="02020404030301010803" pitchFamily="18" charset="0"/>
             </a:endParaRPr>
           </a:p>
@@ -6593,7 +6627,7 @@
               <a:buNone/>
             </a:pPr>
             <a:r>
-              <a:rPr kumimoji="0" lang="en-IN" altLang="en-US" sz="1600" b="0" i="0" u="none" strike="noStrike" cap="none" normalizeH="0" baseline="0" dirty="0">
+              <a:rPr kumimoji="0" lang="en-IN" altLang="en-US" sz="1600" b="1" i="0" u="none" strike="noStrike" cap="none" normalizeH="0" baseline="0" dirty="0">
                 <a:ln>
                   <a:noFill/>
                 </a:ln>
@@ -6601,14 +6635,14 @@
                   <a:schemeClr val="tx1"/>
                 </a:solidFill>
                 <a:effectLst/>
-                <a:latin typeface="Garamond" panose="02020404030301010803" pitchFamily="18" charset="0"/>
+                <a:latin typeface="Goudy Old Style" panose="02020502050305020303" pitchFamily="18" charset="0"/>
                 <a:ea typeface="Times New Roman" panose="02020603050405020304" pitchFamily="18" charset="0"/>
                 <a:cs typeface="Garamond" panose="02020404030301010803" pitchFamily="18" charset="0"/>
               </a:rPr>
               <a:t>Prof. </a:t>
             </a:r>
             <a:r>
-              <a:rPr kumimoji="0" lang="en-US" altLang="en-IN" sz="1600" b="0" i="0" u="none" strike="noStrike" cap="none" normalizeH="0" baseline="0" dirty="0">
+              <a:rPr kumimoji="0" lang="en-US" altLang="en-IN" sz="1600" b="1" i="0" u="none" strike="noStrike" cap="none" normalizeH="0" baseline="0" dirty="0">
                 <a:ln>
                   <a:noFill/>
                 </a:ln>
@@ -6616,7 +6650,7 @@
                   <a:schemeClr val="tx1"/>
                 </a:solidFill>
                 <a:effectLst/>
-                <a:latin typeface="Garamond" panose="02020404030301010803" pitchFamily="18" charset="0"/>
+                <a:latin typeface="Goudy Old Style" panose="02020502050305020303" pitchFamily="18" charset="0"/>
                 <a:ea typeface="Times New Roman" panose="02020603050405020304" pitchFamily="18" charset="0"/>
                 <a:cs typeface="Garamond" panose="02020404030301010803" pitchFamily="18" charset="0"/>
               </a:rPr>
@@ -6802,7 +6836,7 @@
                   <a:noFill/>
                 </a:ln>
                 <a:solidFill>
-                  <a:srgbClr val="7030A0"/>
+                  <a:srgbClr val="FF0000"/>
                 </a:solidFill>
                 <a:effectLst/>
                 <a:latin typeface="Garamond" panose="02020404030301010803" pitchFamily="18" charset="0"/>
@@ -6816,7 +6850,7 @@
                 <a:noFill/>
               </a:ln>
               <a:solidFill>
-                <a:schemeClr val="tx1"/>
+                <a:srgbClr val="FF0000"/>
               </a:solidFill>
               <a:effectLst/>
               <a:latin typeface="Garamond" panose="02020404030301010803" pitchFamily="18" charset="0"/>
@@ -6844,9 +6878,6 @@
                 <a:ln>
                   <a:noFill/>
                 </a:ln>
-                <a:solidFill>
-                  <a:srgbClr val="7030A0"/>
-                </a:solidFill>
                 <a:effectLst/>
                 <a:latin typeface="Garamond" panose="02020404030301010803" pitchFamily="18" charset="0"/>
                 <a:ea typeface="Times New Roman" panose="02020603050405020304" pitchFamily="18" charset="0"/>
@@ -6872,9 +6903,6 @@
                 <a:ln>
                   <a:noFill/>
                 </a:ln>
-                <a:solidFill>
-                  <a:srgbClr val="7030A0"/>
-                </a:solidFill>
                 <a:effectLst/>
                 <a:latin typeface="Garamond" panose="02020404030301010803" pitchFamily="18" charset="0"/>
                 <a:ea typeface="Times New Roman" panose="02020603050405020304" pitchFamily="18" charset="0"/>
@@ -6887,9 +6915,6 @@
                 <a:ln>
                   <a:noFill/>
                 </a:ln>
-                <a:solidFill>
-                  <a:srgbClr val="7030A0"/>
-                </a:solidFill>
                 <a:effectLst/>
                 <a:latin typeface="Garamond" panose="02020404030301010803" pitchFamily="18" charset="0"/>
                 <a:ea typeface="Times New Roman" panose="02020603050405020304" pitchFamily="18" charset="0"/>
@@ -6901,9 +6926,6 @@
               <a:ln>
                 <a:noFill/>
               </a:ln>
-              <a:solidFill>
-                <a:schemeClr val="tx1"/>
-              </a:solidFill>
               <a:effectLst/>
               <a:latin typeface="Garamond" panose="02020404030301010803" pitchFamily="18" charset="0"/>
               <a:cs typeface="Garamond" panose="02020404030301010803" pitchFamily="18" charset="0"/>
@@ -6930,9 +6952,6 @@
                 <a:ln>
                   <a:noFill/>
                 </a:ln>
-                <a:solidFill>
-                  <a:schemeClr val="tx1"/>
-                </a:solidFill>
                 <a:effectLst/>
                 <a:latin typeface="Garamond" panose="02020404030301010803" pitchFamily="18" charset="0"/>
                 <a:ea typeface="Times New Roman" panose="02020603050405020304" pitchFamily="18" charset="0"/>
@@ -6962,9 +6981,6 @@
                 <a:ln>
                   <a:noFill/>
                 </a:ln>
-                <a:solidFill>
-                  <a:schemeClr val="tx1"/>
-                </a:solidFill>
                 <a:effectLst/>
                 <a:latin typeface="Garamond" panose="02020404030301010803" pitchFamily="18" charset="0"/>
                 <a:ea typeface="Times New Roman" panose="02020603050405020304" pitchFamily="18" charset="0"/>
@@ -6976,9 +6992,6 @@
               <a:ln>
                 <a:noFill/>
               </a:ln>
-              <a:solidFill>
-                <a:schemeClr val="tx1"/>
-              </a:solidFill>
               <a:effectLst/>
               <a:latin typeface="Garamond" panose="02020404030301010803" pitchFamily="18" charset="0"/>
               <a:cs typeface="Garamond" panose="02020404030301010803" pitchFamily="18" charset="0"/>
@@ -7578,20 +7591,20 @@
       </p:grpSpPr>
       <p:sp>
         <p:nvSpPr>
-          <p:cNvPr id="4" name="Rectangle 3">
+          <p:cNvPr id="4" name="TextBox 3">
             <a:extLst>
               <a:ext uri="{FF2B5EF4-FFF2-40B4-BE49-F238E27FC236}">
-                <a16:creationId xmlns:a16="http://schemas.microsoft.com/office/drawing/2014/main" id="{CE6E215E-0B65-4FB7-AE56-FC2A99FEEE8B}"/>
+                <a16:creationId xmlns:a16="http://schemas.microsoft.com/office/drawing/2014/main" id="{3F6752B3-4955-4699-A243-69E28E9FB5E8}"/>
               </a:ext>
             </a:extLst>
           </p:cNvPr>
-          <p:cNvSpPr/>
+          <p:cNvSpPr txBox="1"/>
           <p:nvPr/>
         </p:nvSpPr>
         <p:spPr>
           <a:xfrm>
-            <a:off x="1029391" y="2518908"/>
-            <a:ext cx="9095759" cy="2246769"/>
+            <a:off x="968620" y="1328094"/>
+            <a:ext cx="8176845" cy="3046988"/>
           </a:xfrm>
           <a:prstGeom prst="rect">
             <a:avLst/>
@@ -7599,78 +7612,168 @@
           <a:noFill/>
         </p:spPr>
         <p:txBody>
-          <a:bodyPr wrap="none" lIns="91440" tIns="45720" rIns="91440" bIns="45720">
+          <a:bodyPr wrap="square">
             <a:spAutoFit/>
           </a:bodyPr>
           <a:lstStyle/>
           <a:p>
-            <a:pPr algn="ctr"/>
-            <a:r>
-              <a:rPr lang="en-US" sz="7000" dirty="0">
-                <a:ln w="0"/>
-                <a:gradFill>
-                  <a:gsLst>
-                    <a:gs pos="0">
-                      <a:schemeClr val="accent5">
-                        <a:lumMod val="50000"/>
-                      </a:schemeClr>
-                    </a:gs>
-                    <a:gs pos="50000">
-                      <a:schemeClr val="accent5"/>
-                    </a:gs>
-                    <a:gs pos="100000">
-                      <a:schemeClr val="accent5">
-                        <a:lumMod val="60000"/>
-                        <a:lumOff val="40000"/>
-                      </a:schemeClr>
-                    </a:gs>
-                  </a:gsLst>
-                  <a:lin ang="5400000"/>
-                </a:gradFill>
-                <a:effectLst>
-                  <a:reflection blurRad="6350" stA="53000" endA="300" endPos="35500" dir="5400000" sy="-90000" algn="bl" rotWithShape="0"/>
-                </a:effectLst>
-              </a:rPr>
-              <a:t>Software &amp; Hardware </a:t>
-            </a:r>
-          </a:p>
-          <a:p>
-            <a:pPr algn="ctr"/>
-            <a:r>
-              <a:rPr lang="en-US" sz="7000" dirty="0">
-                <a:ln w="0"/>
-                <a:gradFill>
-                  <a:gsLst>
-                    <a:gs pos="0">
-                      <a:schemeClr val="accent5">
-                        <a:lumMod val="50000"/>
-                      </a:schemeClr>
-                    </a:gs>
-                    <a:gs pos="50000">
-                      <a:schemeClr val="accent5"/>
-                    </a:gs>
-                    <a:gs pos="100000">
-                      <a:schemeClr val="accent5">
-                        <a:lumMod val="60000"/>
-                        <a:lumOff val="40000"/>
-                      </a:schemeClr>
-                    </a:gs>
-                  </a:gsLst>
-                  <a:lin ang="5400000"/>
-                </a:gradFill>
-                <a:effectLst>
-                  <a:reflection blurRad="6350" stA="53000" endA="300" endPos="35500" dir="5400000" sy="-90000" algn="bl" rotWithShape="0"/>
-                </a:effectLst>
-              </a:rPr>
-              <a:t>Requirements</a:t>
-            </a:r>
+            <a:pPr>
+              <a:spcBef>
+                <a:spcPts val="1800"/>
+              </a:spcBef>
+              <a:spcAft>
+                <a:spcPts val="1800"/>
+              </a:spcAft>
+            </a:pPr>
+            <a:r>
+              <a:rPr lang="en-US" b="0" i="0" dirty="0">
+                <a:solidFill>
+                  <a:srgbClr val="202124"/>
+                </a:solidFill>
+                <a:effectLst/>
+                <a:latin typeface="Calibri" panose="020F0502020204030204" pitchFamily="34" charset="0"/>
+                <a:cs typeface="Calibri" panose="020F0502020204030204" pitchFamily="34" charset="0"/>
+              </a:rPr>
+              <a:t>MongoDB Atlas is </a:t>
+            </a:r>
+            <a:r>
+              <a:rPr lang="en-US" b="1" i="0" dirty="0">
+                <a:solidFill>
+                  <a:srgbClr val="202124"/>
+                </a:solidFill>
+                <a:effectLst/>
+                <a:latin typeface="Calibri" panose="020F0502020204030204" pitchFamily="34" charset="0"/>
+                <a:cs typeface="Calibri" panose="020F0502020204030204" pitchFamily="34" charset="0"/>
+              </a:rPr>
+              <a:t>a fully-managed cloud database developed by</a:t>
+            </a:r>
+            <a:r>
+              <a:rPr lang="en-US" b="0" i="0" dirty="0">
+                <a:solidFill>
+                  <a:srgbClr val="202124"/>
+                </a:solidFill>
+                <a:effectLst/>
+                <a:latin typeface="Calibri" panose="020F0502020204030204" pitchFamily="34" charset="0"/>
+                <a:cs typeface="Calibri" panose="020F0502020204030204" pitchFamily="34" charset="0"/>
+              </a:rPr>
+              <a:t> the same people that build MongoDB. Atlas handles all the complexity of deploying, managing, and healing your deployments on the cloud service provider of your choice (AWS, Azure, and GCP).</a:t>
+            </a:r>
+          </a:p>
+          <a:p>
+            <a:pPr>
+              <a:spcBef>
+                <a:spcPts val="1800"/>
+              </a:spcBef>
+              <a:spcAft>
+                <a:spcPts val="1800"/>
+              </a:spcAft>
+            </a:pPr>
+            <a:br>
+              <a:rPr lang="en-US" dirty="0"/>
+            </a:br>
+            <a:r>
+              <a:rPr lang="en-US" b="0" i="0" dirty="0">
+                <a:solidFill>
+                  <a:srgbClr val="202124"/>
+                </a:solidFill>
+                <a:effectLst/>
+                <a:latin typeface="arial" panose="020B0604020202020204" pitchFamily="34" charset="0"/>
+              </a:rPr>
+              <a:t>MongoDB Atlas makes it easy to set up, operate, and scale your MongoDB deployments in the cloud because it is </a:t>
+            </a:r>
+            <a:r>
+              <a:rPr lang="en-US" b="1" i="0" dirty="0">
+                <a:solidFill>
+                  <a:srgbClr val="202124"/>
+                </a:solidFill>
+                <a:effectLst/>
+                <a:latin typeface="arial" panose="020B0604020202020204" pitchFamily="34" charset="0"/>
+              </a:rPr>
+              <a:t>intuitive and highly automated</a:t>
+            </a:r>
+            <a:r>
+              <a:rPr lang="en-US" b="0" i="0" dirty="0">
+                <a:solidFill>
+                  <a:srgbClr val="202124"/>
+                </a:solidFill>
+                <a:effectLst/>
+                <a:latin typeface="arial" panose="020B0604020202020204" pitchFamily="34" charset="0"/>
+              </a:rPr>
+              <a:t>. ... From high availability to scalability, security to disaster recovery — the MongoDB Atlas platform has you covered.</a:t>
+            </a:r>
+            <a:endParaRPr lang="en-US" dirty="0">
+              <a:solidFill>
+                <a:srgbClr val="000000"/>
+              </a:solidFill>
+              <a:latin typeface="Calibri" panose="020F0502020204030204" pitchFamily="34" charset="0"/>
+              <a:cs typeface="Calibri" panose="020F0502020204030204" pitchFamily="34" charset="0"/>
+            </a:endParaRPr>
+          </a:p>
+        </p:txBody>
+      </p:sp>
+      <p:sp>
+        <p:nvSpPr>
+          <p:cNvPr id="7" name="TextBox 6">
+            <a:extLst>
+              <a:ext uri="{FF2B5EF4-FFF2-40B4-BE49-F238E27FC236}">
+                <a16:creationId xmlns:a16="http://schemas.microsoft.com/office/drawing/2014/main" id="{D19DC01D-807A-4291-9ABA-9123674D729F}"/>
+              </a:ext>
+            </a:extLst>
+          </p:cNvPr>
+          <p:cNvSpPr txBox="1"/>
+          <p:nvPr/>
+        </p:nvSpPr>
+        <p:spPr>
+          <a:xfrm>
+            <a:off x="968620" y="512665"/>
+            <a:ext cx="4933951" cy="375552"/>
+          </a:xfrm>
+          <a:prstGeom prst="rect">
+            <a:avLst/>
+          </a:prstGeom>
+          <a:noFill/>
+        </p:spPr>
+        <p:txBody>
+          <a:bodyPr wrap="square" rtlCol="0">
+            <a:spAutoFit/>
+          </a:bodyPr>
+          <a:lstStyle/>
+          <a:p>
+            <a:pPr marL="0" marR="0">
+              <a:lnSpc>
+                <a:spcPct val="107000"/>
+              </a:lnSpc>
+              <a:spcBef>
+                <a:spcPts val="0"/>
+              </a:spcBef>
+              <a:spcAft>
+                <a:spcPts val="800"/>
+              </a:spcAft>
+            </a:pPr>
+            <a:r>
+              <a:rPr lang="en-US" sz="1800" b="1" dirty="0">
+                <a:solidFill>
+                  <a:srgbClr val="000000"/>
+                </a:solidFill>
+                <a:effectLst/>
+                <a:latin typeface="Calibri" panose="020F0502020204030204" pitchFamily="34" charset="0"/>
+                <a:ea typeface="Calibri" panose="020F0502020204030204" pitchFamily="34" charset="0"/>
+              </a:rPr>
+              <a:t>MongoDB Atlas Cloud Database</a:t>
+            </a:r>
+            <a:endParaRPr lang="en-US" sz="2000" dirty="0">
+              <a:effectLst/>
+              <a:latin typeface="Calibri" panose="020F0502020204030204" pitchFamily="34" charset="0"/>
+              <a:ea typeface="Calibri" panose="020F0502020204030204" pitchFamily="34" charset="0"/>
+              <a:cs typeface="Mangal" panose="02040503050203030202" pitchFamily="18" charset="0"/>
+            </a:endParaRPr>
           </a:p>
         </p:txBody>
       </p:sp>
     </p:spTree>
     <p:extLst>
       <p:ext uri="{BB962C8B-B14F-4D97-AF65-F5344CB8AC3E}">
-        <p14:creationId xmlns:p14="http://schemas.microsoft.com/office/powerpoint/2010/main" val="3799807005"/>
+        <p14:creationId xmlns:p14="http://schemas.microsoft.com/office/powerpoint/2010/main" val="41177584"/>
       </p:ext>
     </p:extLst>
   </p:cSld>
@@ -7699,20 +7802,20 @@
       </p:grpSpPr>
       <p:sp>
         <p:nvSpPr>
-          <p:cNvPr id="7" name="TextBox 6">
+          <p:cNvPr id="4" name="Rectangle 3">
             <a:extLst>
               <a:ext uri="{FF2B5EF4-FFF2-40B4-BE49-F238E27FC236}">
-                <a16:creationId xmlns:a16="http://schemas.microsoft.com/office/drawing/2014/main" id="{D223F1C7-BD0F-4BCD-A8C7-53EC81797464}"/>
+                <a16:creationId xmlns:a16="http://schemas.microsoft.com/office/drawing/2014/main" id="{CE6E215E-0B65-4FB7-AE56-FC2A99FEEE8B}"/>
               </a:ext>
             </a:extLst>
           </p:cNvPr>
-          <p:cNvSpPr txBox="1"/>
+          <p:cNvSpPr/>
           <p:nvPr/>
         </p:nvSpPr>
         <p:spPr>
           <a:xfrm>
-            <a:off x="844061" y="414466"/>
-            <a:ext cx="7949714" cy="485710"/>
+            <a:off x="1029391" y="2518908"/>
+            <a:ext cx="9095759" cy="2246769"/>
           </a:xfrm>
           <a:prstGeom prst="rect">
             <a:avLst/>
@@ -7720,175 +7823,78 @@
           <a:noFill/>
         </p:spPr>
         <p:txBody>
-          <a:bodyPr wrap="square" rtlCol="0">
+          <a:bodyPr wrap="none" lIns="91440" tIns="45720" rIns="91440" bIns="45720">
             <a:spAutoFit/>
           </a:bodyPr>
           <a:lstStyle/>
           <a:p>
-            <a:pPr marL="0" marR="0">
-              <a:lnSpc>
-                <a:spcPct val="107000"/>
-              </a:lnSpc>
-              <a:spcBef>
-                <a:spcPts val="0"/>
-              </a:spcBef>
-              <a:spcAft>
-                <a:spcPts val="800"/>
-              </a:spcAft>
-            </a:pPr>
-            <a:r>
-              <a:rPr lang="en-US" sz="2500" u="sng" dirty="0">
-                <a:ln>
-                  <a:noFill/>
-                </a:ln>
-                <a:solidFill>
-                  <a:srgbClr val="000000"/>
-                </a:solidFill>
+            <a:pPr algn="ctr"/>
+            <a:r>
+              <a:rPr lang="en-US" sz="7000" dirty="0">
+                <a:ln w="0"/>
+                <a:gradFill>
+                  <a:gsLst>
+                    <a:gs pos="0">
+                      <a:schemeClr val="accent5">
+                        <a:lumMod val="50000"/>
+                      </a:schemeClr>
+                    </a:gs>
+                    <a:gs pos="50000">
+                      <a:schemeClr val="accent5"/>
+                    </a:gs>
+                    <a:gs pos="100000">
+                      <a:schemeClr val="accent5">
+                        <a:lumMod val="60000"/>
+                        <a:lumOff val="40000"/>
+                      </a:schemeClr>
+                    </a:gs>
+                  </a:gsLst>
+                  <a:lin ang="5400000"/>
+                </a:gradFill>
                 <a:effectLst>
-                  <a:outerShdw blurRad="38100" dist="19050" dir="2700000" algn="tl">
-                    <a:schemeClr val="dk1">
-                      <a:alpha val="40000"/>
-                    </a:schemeClr>
-                  </a:outerShdw>
+                  <a:reflection blurRad="6350" stA="53000" endA="300" endPos="35500" dir="5400000" sy="-90000" algn="bl" rotWithShape="0"/>
                 </a:effectLst>
-                <a:latin typeface="Calibri" panose="020F0502020204030204" pitchFamily="34" charset="0"/>
-                <a:ea typeface="Calibri" panose="020F0502020204030204" pitchFamily="34" charset="0"/>
-                <a:cs typeface="Mangal" panose="02040503050203030202" pitchFamily="18" charset="0"/>
-              </a:rPr>
-              <a:t>Hardware Requirements</a:t>
-            </a:r>
-            <a:endParaRPr lang="en-US" sz="2500" dirty="0">
-              <a:effectLst/>
-              <a:latin typeface="Calibri" panose="020F0502020204030204" pitchFamily="34" charset="0"/>
-              <a:ea typeface="Calibri" panose="020F0502020204030204" pitchFamily="34" charset="0"/>
-              <a:cs typeface="Mangal" panose="02040503050203030202" pitchFamily="18" charset="0"/>
-            </a:endParaRPr>
-          </a:p>
-        </p:txBody>
-      </p:sp>
-      <p:sp>
-        <p:nvSpPr>
-          <p:cNvPr id="10" name="TextBox 9">
-            <a:extLst>
-              <a:ext uri="{FF2B5EF4-FFF2-40B4-BE49-F238E27FC236}">
-                <a16:creationId xmlns:a16="http://schemas.microsoft.com/office/drawing/2014/main" id="{A6D5792D-4371-417D-B69C-AE669CC2805E}"/>
-              </a:ext>
-            </a:extLst>
-          </p:cNvPr>
-          <p:cNvSpPr txBox="1"/>
-          <p:nvPr/>
-        </p:nvSpPr>
-        <p:spPr>
-          <a:xfrm>
-            <a:off x="844061" y="1285554"/>
-            <a:ext cx="7807569" cy="1631216"/>
-          </a:xfrm>
-          <a:prstGeom prst="rect">
-            <a:avLst/>
-          </a:prstGeom>
-          <a:noFill/>
-        </p:spPr>
-        <p:txBody>
-          <a:bodyPr wrap="square">
-            <a:spAutoFit/>
-          </a:bodyPr>
-          <a:lstStyle/>
-          <a:p>
-            <a:pPr marL="342900" marR="0" indent="-342900">
-              <a:lnSpc>
-                <a:spcPts val="2400"/>
-              </a:lnSpc>
-              <a:spcBef>
-                <a:spcPts val="2400"/>
-              </a:spcBef>
-              <a:spcAft>
-                <a:spcPts val="0"/>
-              </a:spcAft>
-              <a:buFont typeface="Wingdings" panose="05000000000000000000" pitchFamily="2" charset="2"/>
-              <a:buChar char="Ø"/>
-            </a:pPr>
-            <a:r>
-              <a:rPr lang="en-US" sz="2000" spc="-5" dirty="0">
-                <a:solidFill>
-                  <a:srgbClr val="292929"/>
-                </a:solidFill>
-                <a:effectLst/>
-                <a:latin typeface="Calibri" panose="020F0502020204030204" pitchFamily="34" charset="0"/>
-                <a:ea typeface="Times New Roman" panose="02020603050405020304" pitchFamily="18" charset="0"/>
-              </a:rPr>
-              <a:t>Windows 7 or above</a:t>
-            </a:r>
-          </a:p>
-          <a:p>
-            <a:pPr marL="342900" marR="0" indent="-342900">
-              <a:lnSpc>
-                <a:spcPts val="2400"/>
-              </a:lnSpc>
-              <a:spcBef>
-                <a:spcPts val="2400"/>
-              </a:spcBef>
-              <a:spcAft>
-                <a:spcPts val="0"/>
-              </a:spcAft>
-              <a:buFont typeface="Wingdings" panose="05000000000000000000" pitchFamily="2" charset="2"/>
-              <a:buChar char="Ø"/>
-            </a:pPr>
-            <a:r>
-              <a:rPr lang="en-US" sz="2000" spc="-5" dirty="0">
-                <a:solidFill>
-                  <a:srgbClr val="292929"/>
-                </a:solidFill>
-                <a:effectLst/>
-                <a:latin typeface="Calibri" panose="020F0502020204030204" pitchFamily="34" charset="0"/>
-                <a:ea typeface="Times New Roman" panose="02020603050405020304" pitchFamily="18" charset="0"/>
-              </a:rPr>
-              <a:t>RAM 512GB (Minimum)</a:t>
-            </a:r>
-            <a:endParaRPr lang="en-US" sz="2000" spc="-5" dirty="0">
-              <a:solidFill>
-                <a:srgbClr val="292929"/>
-              </a:solidFill>
-              <a:latin typeface="Calibri" panose="020F0502020204030204" pitchFamily="34" charset="0"/>
-              <a:ea typeface="Times New Roman" panose="02020603050405020304" pitchFamily="18" charset="0"/>
-            </a:endParaRPr>
-          </a:p>
-          <a:p>
-            <a:pPr marL="342900" marR="0" indent="-342900">
-              <a:lnSpc>
-                <a:spcPts val="2400"/>
-              </a:lnSpc>
-              <a:spcBef>
-                <a:spcPts val="2400"/>
-              </a:spcBef>
-              <a:spcAft>
-                <a:spcPts val="0"/>
-              </a:spcAft>
-              <a:buFont typeface="Wingdings" panose="05000000000000000000" pitchFamily="2" charset="2"/>
-              <a:buChar char="Ø"/>
-            </a:pPr>
-            <a:r>
-              <a:rPr lang="en-US" sz="2000" spc="-5" dirty="0">
-                <a:solidFill>
-                  <a:srgbClr val="292929"/>
-                </a:solidFill>
-                <a:effectLst/>
-                <a:latin typeface="Calibri" panose="020F0502020204030204" pitchFamily="34" charset="0"/>
-                <a:ea typeface="Times New Roman" panose="02020603050405020304" pitchFamily="18" charset="0"/>
-              </a:rPr>
-              <a:t>GPU (optional) </a:t>
-            </a:r>
-            <a:endParaRPr lang="en-US" sz="2000" dirty="0">
-              <a:effectLst/>
-              <a:latin typeface="Times New Roman" panose="02020603050405020304" pitchFamily="18" charset="0"/>
-              <a:ea typeface="Times New Roman" panose="02020603050405020304" pitchFamily="18" charset="0"/>
-            </a:endParaRPr>
+              </a:rPr>
+              <a:t>Software &amp; Hardware </a:t>
+            </a:r>
+          </a:p>
+          <a:p>
+            <a:pPr algn="ctr"/>
+            <a:r>
+              <a:rPr lang="en-US" sz="7000" dirty="0">
+                <a:ln w="0"/>
+                <a:gradFill>
+                  <a:gsLst>
+                    <a:gs pos="0">
+                      <a:schemeClr val="accent5">
+                        <a:lumMod val="50000"/>
+                      </a:schemeClr>
+                    </a:gs>
+                    <a:gs pos="50000">
+                      <a:schemeClr val="accent5"/>
+                    </a:gs>
+                    <a:gs pos="100000">
+                      <a:schemeClr val="accent5">
+                        <a:lumMod val="60000"/>
+                        <a:lumOff val="40000"/>
+                      </a:schemeClr>
+                    </a:gs>
+                  </a:gsLst>
+                  <a:lin ang="5400000"/>
+                </a:gradFill>
+                <a:effectLst>
+                  <a:reflection blurRad="6350" stA="53000" endA="300" endPos="35500" dir="5400000" sy="-90000" algn="bl" rotWithShape="0"/>
+                </a:effectLst>
+              </a:rPr>
+              <a:t>Requirements</a:t>
+            </a:r>
           </a:p>
         </p:txBody>
       </p:sp>
     </p:spTree>
     <p:extLst>
       <p:ext uri="{BB962C8B-B14F-4D97-AF65-F5344CB8AC3E}">
-        <p14:creationId xmlns:p14="http://schemas.microsoft.com/office/powerpoint/2010/main" val="821701127"/>
+        <p14:creationId xmlns:p14="http://schemas.microsoft.com/office/powerpoint/2010/main" val="3799807005"/>
       </p:ext>
     </p:extLst>
   </p:cSld>
@@ -7973,7 +7979,7 @@
                 <a:ea typeface="Calibri" panose="020F0502020204030204" pitchFamily="34" charset="0"/>
                 <a:cs typeface="Mangal" panose="02040503050203030202" pitchFamily="18" charset="0"/>
               </a:rPr>
-              <a:t>Software Requirements</a:t>
+              <a:t>Hardware Requirements</a:t>
             </a:r>
             <a:endParaRPr lang="en-US" sz="2500" dirty="0">
               <a:effectLst/>
@@ -7999,7 +8005,7 @@
         <p:spPr>
           <a:xfrm>
             <a:off x="844061" y="1285554"/>
-            <a:ext cx="7807569" cy="2862322"/>
+            <a:ext cx="7807569" cy="1631216"/>
           </a:xfrm>
           <a:prstGeom prst="rect">
             <a:avLst/>
@@ -8034,7 +8040,7 @@
                 <a:latin typeface="Calibri" panose="020F0502020204030204" pitchFamily="34" charset="0"/>
                 <a:ea typeface="Times New Roman" panose="02020603050405020304" pitchFamily="18" charset="0"/>
               </a:rPr>
-              <a:t>Visual Studio or other IDE</a:t>
+              <a:t>Windows 7 or above</a:t>
             </a:r>
           </a:p>
           <a:p>
@@ -8060,8 +8066,15 @@
                 <a:latin typeface="Calibri" panose="020F0502020204030204" pitchFamily="34" charset="0"/>
                 <a:ea typeface="Times New Roman" panose="02020603050405020304" pitchFamily="18" charset="0"/>
               </a:rPr>
-              <a:t>Nodejs</a:t>
-            </a:r>
+              <a:t>RAM 512GB (Minimum)</a:t>
+            </a:r>
+            <a:endParaRPr lang="en-US" sz="2000" spc="-5" dirty="0">
+              <a:solidFill>
+                <a:srgbClr val="292929"/>
+              </a:solidFill>
+              <a:latin typeface="Calibri" panose="020F0502020204030204" pitchFamily="34" charset="0"/>
+              <a:ea typeface="Times New Roman" panose="02020603050405020304" pitchFamily="18" charset="0"/>
+            </a:endParaRPr>
           </a:p>
           <a:p>
             <a:pPr marL="342900" marR="0" indent="-342900">
@@ -8082,88 +8095,15 @@
                 <a:solidFill>
                   <a:srgbClr val="292929"/>
                 </a:solidFill>
-                <a:latin typeface="Calibri" panose="020F0502020204030204" pitchFamily="34" charset="0"/>
-                <a:ea typeface="Times New Roman" panose="02020603050405020304" pitchFamily="18" charset="0"/>
-              </a:rPr>
-              <a:t>MongoDB Compass / </a:t>
-            </a:r>
-            <a:r>
-              <a:rPr lang="en-US" sz="2000" spc="-5" dirty="0" err="1">
-                <a:solidFill>
-                  <a:srgbClr val="292929"/>
-                </a:solidFill>
-                <a:latin typeface="Calibri" panose="020F0502020204030204" pitchFamily="34" charset="0"/>
-                <a:ea typeface="Times New Roman" panose="02020603050405020304" pitchFamily="18" charset="0"/>
-              </a:rPr>
-              <a:t>Mongodb</a:t>
-            </a:r>
-            <a:r>
-              <a:rPr lang="en-US" sz="2000" spc="-5" dirty="0">
-                <a:solidFill>
-                  <a:srgbClr val="292929"/>
-                </a:solidFill>
-                <a:latin typeface="Calibri" panose="020F0502020204030204" pitchFamily="34" charset="0"/>
-                <a:ea typeface="Times New Roman" panose="02020603050405020304" pitchFamily="18" charset="0"/>
-              </a:rPr>
-              <a:t> Atlas</a:t>
-            </a:r>
-          </a:p>
-          <a:p>
-            <a:pPr marL="342900" marR="0" indent="-342900">
-              <a:lnSpc>
-                <a:spcPts val="2400"/>
-              </a:lnSpc>
-              <a:spcBef>
-                <a:spcPts val="2400"/>
-              </a:spcBef>
-              <a:spcAft>
-                <a:spcPts val="0"/>
-              </a:spcAft>
-              <a:buFont typeface="Wingdings" panose="05000000000000000000" pitchFamily="2" charset="2"/>
-              <a:buChar char="Ø"/>
-            </a:pPr>
-            <a:r>
-              <a:rPr lang="en-US" sz="2000" spc="-5" dirty="0">
-                <a:solidFill>
-                  <a:srgbClr val="292929"/>
-                </a:solidFill>
                 <a:effectLst/>
                 <a:latin typeface="Calibri" panose="020F0502020204030204" pitchFamily="34" charset="0"/>
                 <a:ea typeface="Times New Roman" panose="02020603050405020304" pitchFamily="18" charset="0"/>
               </a:rPr>
-              <a:t>ReactJS</a:t>
-            </a:r>
-          </a:p>
-          <a:p>
-            <a:pPr marL="342900" marR="0" indent="-342900">
-              <a:lnSpc>
-                <a:spcPts val="2400"/>
-              </a:lnSpc>
-              <a:spcBef>
-                <a:spcPts val="2400"/>
-              </a:spcBef>
-              <a:spcAft>
-                <a:spcPts val="0"/>
-              </a:spcAft>
-              <a:buFont typeface="Wingdings" panose="05000000000000000000" pitchFamily="2" charset="2"/>
-              <a:buChar char="Ø"/>
-            </a:pPr>
-            <a:r>
-              <a:rPr lang="en-US" sz="2000" spc="-5" dirty="0" err="1">
-                <a:solidFill>
-                  <a:srgbClr val="292929"/>
-                </a:solidFill>
-                <a:latin typeface="Calibri" panose="020F0502020204030204" pitchFamily="34" charset="0"/>
-                <a:ea typeface="Times New Roman" panose="02020603050405020304" pitchFamily="18" charset="0"/>
-              </a:rPr>
-              <a:t>GraphQL</a:t>
-            </a:r>
-            <a:endParaRPr lang="en-US" sz="2000" spc="-5" dirty="0">
-              <a:solidFill>
-                <a:srgbClr val="292929"/>
-              </a:solidFill>
+              <a:t>GPU (optional) </a:t>
+            </a:r>
+            <a:endParaRPr lang="en-US" sz="2000" dirty="0">
               <a:effectLst/>
-              <a:latin typeface="Calibri" panose="020F0502020204030204" pitchFamily="34" charset="0"/>
+              <a:latin typeface="Times New Roman" panose="02020603050405020304" pitchFamily="18" charset="0"/>
               <a:ea typeface="Times New Roman" panose="02020603050405020304" pitchFamily="18" charset="0"/>
             </a:endParaRPr>
           </a:p>
@@ -8172,7 +8112,7 @@
     </p:spTree>
     <p:extLst>
       <p:ext uri="{BB962C8B-B14F-4D97-AF65-F5344CB8AC3E}">
-        <p14:creationId xmlns:p14="http://schemas.microsoft.com/office/powerpoint/2010/main" val="1108321124"/>
+        <p14:creationId xmlns:p14="http://schemas.microsoft.com/office/powerpoint/2010/main" val="821701127"/>
       </p:ext>
     </p:extLst>
   </p:cSld>
@@ -8201,6 +8141,290 @@
       </p:grpSpPr>
       <p:sp>
         <p:nvSpPr>
+          <p:cNvPr id="7" name="TextBox 6">
+            <a:extLst>
+              <a:ext uri="{FF2B5EF4-FFF2-40B4-BE49-F238E27FC236}">
+                <a16:creationId xmlns:a16="http://schemas.microsoft.com/office/drawing/2014/main" id="{D223F1C7-BD0F-4BCD-A8C7-53EC81797464}"/>
+              </a:ext>
+            </a:extLst>
+          </p:cNvPr>
+          <p:cNvSpPr txBox="1"/>
+          <p:nvPr/>
+        </p:nvSpPr>
+        <p:spPr>
+          <a:xfrm>
+            <a:off x="844061" y="414466"/>
+            <a:ext cx="7949714" cy="485710"/>
+          </a:xfrm>
+          <a:prstGeom prst="rect">
+            <a:avLst/>
+          </a:prstGeom>
+          <a:noFill/>
+        </p:spPr>
+        <p:txBody>
+          <a:bodyPr wrap="square" rtlCol="0">
+            <a:spAutoFit/>
+          </a:bodyPr>
+          <a:lstStyle/>
+          <a:p>
+            <a:pPr marL="0" marR="0">
+              <a:lnSpc>
+                <a:spcPct val="107000"/>
+              </a:lnSpc>
+              <a:spcBef>
+                <a:spcPts val="0"/>
+              </a:spcBef>
+              <a:spcAft>
+                <a:spcPts val="800"/>
+              </a:spcAft>
+            </a:pPr>
+            <a:r>
+              <a:rPr lang="en-US" sz="2500" u="sng" dirty="0">
+                <a:ln>
+                  <a:noFill/>
+                </a:ln>
+                <a:solidFill>
+                  <a:srgbClr val="000000"/>
+                </a:solidFill>
+                <a:effectLst>
+                  <a:outerShdw blurRad="38100" dist="19050" dir="2700000" algn="tl">
+                    <a:schemeClr val="dk1">
+                      <a:alpha val="40000"/>
+                    </a:schemeClr>
+                  </a:outerShdw>
+                </a:effectLst>
+                <a:latin typeface="Calibri" panose="020F0502020204030204" pitchFamily="34" charset="0"/>
+                <a:ea typeface="Calibri" panose="020F0502020204030204" pitchFamily="34" charset="0"/>
+                <a:cs typeface="Mangal" panose="02040503050203030202" pitchFamily="18" charset="0"/>
+              </a:rPr>
+              <a:t>Software Requirements</a:t>
+            </a:r>
+            <a:endParaRPr lang="en-US" sz="2500" dirty="0">
+              <a:effectLst/>
+              <a:latin typeface="Calibri" panose="020F0502020204030204" pitchFamily="34" charset="0"/>
+              <a:ea typeface="Calibri" panose="020F0502020204030204" pitchFamily="34" charset="0"/>
+              <a:cs typeface="Mangal" panose="02040503050203030202" pitchFamily="18" charset="0"/>
+            </a:endParaRPr>
+          </a:p>
+        </p:txBody>
+      </p:sp>
+      <p:sp>
+        <p:nvSpPr>
+          <p:cNvPr id="10" name="TextBox 9">
+            <a:extLst>
+              <a:ext uri="{FF2B5EF4-FFF2-40B4-BE49-F238E27FC236}">
+                <a16:creationId xmlns:a16="http://schemas.microsoft.com/office/drawing/2014/main" id="{A6D5792D-4371-417D-B69C-AE669CC2805E}"/>
+              </a:ext>
+            </a:extLst>
+          </p:cNvPr>
+          <p:cNvSpPr txBox="1"/>
+          <p:nvPr/>
+        </p:nvSpPr>
+        <p:spPr>
+          <a:xfrm>
+            <a:off x="844061" y="1285554"/>
+            <a:ext cx="7807569" cy="2862322"/>
+          </a:xfrm>
+          <a:prstGeom prst="rect">
+            <a:avLst/>
+          </a:prstGeom>
+          <a:noFill/>
+        </p:spPr>
+        <p:txBody>
+          <a:bodyPr wrap="square">
+            <a:spAutoFit/>
+          </a:bodyPr>
+          <a:lstStyle/>
+          <a:p>
+            <a:pPr marL="342900" marR="0" indent="-342900">
+              <a:lnSpc>
+                <a:spcPts val="2400"/>
+              </a:lnSpc>
+              <a:spcBef>
+                <a:spcPts val="2400"/>
+              </a:spcBef>
+              <a:spcAft>
+                <a:spcPts val="0"/>
+              </a:spcAft>
+              <a:buFont typeface="Wingdings" panose="05000000000000000000" pitchFamily="2" charset="2"/>
+              <a:buChar char="Ø"/>
+            </a:pPr>
+            <a:r>
+              <a:rPr lang="en-US" sz="2000" spc="-5" dirty="0">
+                <a:solidFill>
+                  <a:srgbClr val="292929"/>
+                </a:solidFill>
+                <a:effectLst/>
+                <a:latin typeface="Calibri" panose="020F0502020204030204" pitchFamily="34" charset="0"/>
+                <a:ea typeface="Times New Roman" panose="02020603050405020304" pitchFamily="18" charset="0"/>
+              </a:rPr>
+              <a:t>Visual Studio or other IDE</a:t>
+            </a:r>
+          </a:p>
+          <a:p>
+            <a:pPr marL="342900" marR="0" indent="-342900">
+              <a:lnSpc>
+                <a:spcPts val="2400"/>
+              </a:lnSpc>
+              <a:spcBef>
+                <a:spcPts val="2400"/>
+              </a:spcBef>
+              <a:spcAft>
+                <a:spcPts val="0"/>
+              </a:spcAft>
+              <a:buFont typeface="Wingdings" panose="05000000000000000000" pitchFamily="2" charset="2"/>
+              <a:buChar char="Ø"/>
+            </a:pPr>
+            <a:r>
+              <a:rPr lang="en-US" sz="2000" spc="-5" dirty="0">
+                <a:solidFill>
+                  <a:srgbClr val="292929"/>
+                </a:solidFill>
+                <a:effectLst/>
+                <a:latin typeface="Calibri" panose="020F0502020204030204" pitchFamily="34" charset="0"/>
+                <a:ea typeface="Times New Roman" panose="02020603050405020304" pitchFamily="18" charset="0"/>
+              </a:rPr>
+              <a:t>Nodejs</a:t>
+            </a:r>
+          </a:p>
+          <a:p>
+            <a:pPr marL="342900" marR="0" indent="-342900">
+              <a:lnSpc>
+                <a:spcPts val="2400"/>
+              </a:lnSpc>
+              <a:spcBef>
+                <a:spcPts val="2400"/>
+              </a:spcBef>
+              <a:spcAft>
+                <a:spcPts val="0"/>
+              </a:spcAft>
+              <a:buFont typeface="Wingdings" panose="05000000000000000000" pitchFamily="2" charset="2"/>
+              <a:buChar char="Ø"/>
+            </a:pPr>
+            <a:r>
+              <a:rPr lang="en-US" sz="2000" spc="-5" dirty="0">
+                <a:solidFill>
+                  <a:srgbClr val="292929"/>
+                </a:solidFill>
+                <a:latin typeface="Calibri" panose="020F0502020204030204" pitchFamily="34" charset="0"/>
+                <a:ea typeface="Times New Roman" panose="02020603050405020304" pitchFamily="18" charset="0"/>
+              </a:rPr>
+              <a:t>MongoDB Compass / </a:t>
+            </a:r>
+            <a:r>
+              <a:rPr lang="en-US" sz="2000" spc="-5" dirty="0" err="1">
+                <a:solidFill>
+                  <a:srgbClr val="292929"/>
+                </a:solidFill>
+                <a:latin typeface="Calibri" panose="020F0502020204030204" pitchFamily="34" charset="0"/>
+                <a:ea typeface="Times New Roman" panose="02020603050405020304" pitchFamily="18" charset="0"/>
+              </a:rPr>
+              <a:t>Mongodb</a:t>
+            </a:r>
+            <a:r>
+              <a:rPr lang="en-US" sz="2000" spc="-5" dirty="0">
+                <a:solidFill>
+                  <a:srgbClr val="292929"/>
+                </a:solidFill>
+                <a:latin typeface="Calibri" panose="020F0502020204030204" pitchFamily="34" charset="0"/>
+                <a:ea typeface="Times New Roman" panose="02020603050405020304" pitchFamily="18" charset="0"/>
+              </a:rPr>
+              <a:t> Atlas</a:t>
+            </a:r>
+          </a:p>
+          <a:p>
+            <a:pPr marL="342900" marR="0" indent="-342900">
+              <a:lnSpc>
+                <a:spcPts val="2400"/>
+              </a:lnSpc>
+              <a:spcBef>
+                <a:spcPts val="2400"/>
+              </a:spcBef>
+              <a:spcAft>
+                <a:spcPts val="0"/>
+              </a:spcAft>
+              <a:buFont typeface="Wingdings" panose="05000000000000000000" pitchFamily="2" charset="2"/>
+              <a:buChar char="Ø"/>
+            </a:pPr>
+            <a:r>
+              <a:rPr lang="en-US" sz="2000" spc="-5" dirty="0">
+                <a:solidFill>
+                  <a:srgbClr val="292929"/>
+                </a:solidFill>
+                <a:effectLst/>
+                <a:latin typeface="Calibri" panose="020F0502020204030204" pitchFamily="34" charset="0"/>
+                <a:ea typeface="Times New Roman" panose="02020603050405020304" pitchFamily="18" charset="0"/>
+              </a:rPr>
+              <a:t>ReactJS</a:t>
+            </a:r>
+          </a:p>
+          <a:p>
+            <a:pPr marL="342900" marR="0" indent="-342900">
+              <a:lnSpc>
+                <a:spcPts val="2400"/>
+              </a:lnSpc>
+              <a:spcBef>
+                <a:spcPts val="2400"/>
+              </a:spcBef>
+              <a:spcAft>
+                <a:spcPts val="0"/>
+              </a:spcAft>
+              <a:buFont typeface="Wingdings" panose="05000000000000000000" pitchFamily="2" charset="2"/>
+              <a:buChar char="Ø"/>
+            </a:pPr>
+            <a:r>
+              <a:rPr lang="en-US" sz="2000" spc="-5" dirty="0" err="1">
+                <a:solidFill>
+                  <a:srgbClr val="292929"/>
+                </a:solidFill>
+                <a:latin typeface="Calibri" panose="020F0502020204030204" pitchFamily="34" charset="0"/>
+                <a:ea typeface="Times New Roman" panose="02020603050405020304" pitchFamily="18" charset="0"/>
+              </a:rPr>
+              <a:t>GraphQL</a:t>
+            </a:r>
+            <a:endParaRPr lang="en-US" sz="2000" spc="-5" dirty="0">
+              <a:solidFill>
+                <a:srgbClr val="292929"/>
+              </a:solidFill>
+              <a:effectLst/>
+              <a:latin typeface="Calibri" panose="020F0502020204030204" pitchFamily="34" charset="0"/>
+              <a:ea typeface="Times New Roman" panose="02020603050405020304" pitchFamily="18" charset="0"/>
+            </a:endParaRPr>
+          </a:p>
+        </p:txBody>
+      </p:sp>
+    </p:spTree>
+    <p:extLst>
+      <p:ext uri="{BB962C8B-B14F-4D97-AF65-F5344CB8AC3E}">
+        <p14:creationId xmlns:p14="http://schemas.microsoft.com/office/powerpoint/2010/main" val="1108321124"/>
+      </p:ext>
+    </p:extLst>
+  </p:cSld>
+  <p:clrMapOvr>
+    <a:masterClrMapping/>
+  </p:clrMapOvr>
+</p:sld>
+</file>
+
+<file path=ppt/slides/slide16.xml><?xml version="1.0" encoding="utf-8"?>
+<p:sld xmlns:a="http://schemas.openxmlformats.org/drawingml/2006/main" xmlns:r="http://schemas.openxmlformats.org/officeDocument/2006/relationships" xmlns:p="http://schemas.openxmlformats.org/presentationml/2006/main">
+  <p:cSld>
+    <p:spTree>
+      <p:nvGrpSpPr>
+        <p:cNvPr id="1" name=""/>
+        <p:cNvGrpSpPr/>
+        <p:nvPr/>
+      </p:nvGrpSpPr>
+      <p:grpSpPr>
+        <a:xfrm>
+          <a:off x="0" y="0"/>
+          <a:ext cx="0" cy="0"/>
+          <a:chOff x="0" y="0"/>
+          <a:chExt cx="0" cy="0"/>
+        </a:xfrm>
+      </p:grpSpPr>
+      <p:sp>
+        <p:nvSpPr>
           <p:cNvPr id="4" name="Rectangle 3">
             <a:extLst>
               <a:ext uri="{FF2B5EF4-FFF2-40B4-BE49-F238E27FC236}">
@@ -8272,7 +8496,7 @@
 </p:sld>
 </file>
 
-<file path=ppt/slides/slide16.xml><?xml version="1.0" encoding="utf-8"?>
+<file path=ppt/slides/slide17.xml><?xml version="1.0" encoding="utf-8"?>
 <p:sld xmlns:a="http://schemas.openxmlformats.org/drawingml/2006/main" xmlns:r="http://schemas.openxmlformats.org/officeDocument/2006/relationships" xmlns:p="http://schemas.openxmlformats.org/presentationml/2006/main">
   <p:cSld>
     <p:spTree>
@@ -8398,7 +8622,7 @@
 </p:sld>
 </file>
 
-<file path=ppt/slides/slide17.xml><?xml version="1.0" encoding="utf-8"?>
+<file path=ppt/slides/slide18.xml><?xml version="1.0" encoding="utf-8"?>
 <p:sld xmlns:a="http://schemas.openxmlformats.org/drawingml/2006/main" xmlns:r="http://schemas.openxmlformats.org/officeDocument/2006/relationships" xmlns:p="http://schemas.openxmlformats.org/presentationml/2006/main">
   <p:cSld>
     <p:spTree>
@@ -8524,7 +8748,7 @@
 </p:sld>
 </file>
 
-<file path=ppt/slides/slide18.xml><?xml version="1.0" encoding="utf-8"?>
+<file path=ppt/slides/slide19.xml><?xml version="1.0" encoding="utf-8"?>
 <p:sld xmlns:a="http://schemas.openxmlformats.org/drawingml/2006/main" xmlns:r="http://schemas.openxmlformats.org/officeDocument/2006/relationships" xmlns:p="http://schemas.openxmlformats.org/presentationml/2006/main">
   <p:cSld>
     <p:spTree>
@@ -8629,7 +8853,7 @@
         </p:blipFill>
         <p:spPr>
           <a:xfrm>
-            <a:off x="860606" y="1136407"/>
+            <a:off x="1758533" y="1136407"/>
             <a:ext cx="5235394" cy="5601185"/>
           </a:xfrm>
           <a:prstGeom prst="rect">
@@ -8641,96 +8865,6 @@
     <p:extLst>
       <p:ext uri="{BB962C8B-B14F-4D97-AF65-F5344CB8AC3E}">
         <p14:creationId xmlns:p14="http://schemas.microsoft.com/office/powerpoint/2010/main" val="1665880100"/>
-      </p:ext>
-    </p:extLst>
-  </p:cSld>
-  <p:clrMapOvr>
-    <a:masterClrMapping/>
-  </p:clrMapOvr>
-</p:sld>
-</file>
-
-<file path=ppt/slides/slide19.xml><?xml version="1.0" encoding="utf-8"?>
-<p:sld xmlns:a="http://schemas.openxmlformats.org/drawingml/2006/main" xmlns:r="http://schemas.openxmlformats.org/officeDocument/2006/relationships" xmlns:p="http://schemas.openxmlformats.org/presentationml/2006/main">
-  <p:cSld>
-    <p:spTree>
-      <p:nvGrpSpPr>
-        <p:cNvPr id="1" name=""/>
-        <p:cNvGrpSpPr/>
-        <p:nvPr/>
-      </p:nvGrpSpPr>
-      <p:grpSpPr>
-        <a:xfrm>
-          <a:off x="0" y="0"/>
-          <a:ext cx="0" cy="0"/>
-          <a:chOff x="0" y="0"/>
-          <a:chExt cx="0" cy="0"/>
-        </a:xfrm>
-      </p:grpSpPr>
-      <p:sp>
-        <p:nvSpPr>
-          <p:cNvPr id="4" name="Rectangle 3">
-            <a:extLst>
-              <a:ext uri="{FF2B5EF4-FFF2-40B4-BE49-F238E27FC236}">
-                <a16:creationId xmlns:a16="http://schemas.microsoft.com/office/drawing/2014/main" id="{CE6E215E-0B65-4FB7-AE56-FC2A99FEEE8B}"/>
-              </a:ext>
-            </a:extLst>
-          </p:cNvPr>
-          <p:cNvSpPr/>
-          <p:nvPr/>
-        </p:nvSpPr>
-        <p:spPr>
-          <a:xfrm>
-            <a:off x="3200662" y="2518908"/>
-            <a:ext cx="4753224" cy="1169551"/>
-          </a:xfrm>
-          <a:prstGeom prst="rect">
-            <a:avLst/>
-          </a:prstGeom>
-          <a:noFill/>
-        </p:spPr>
-        <p:txBody>
-          <a:bodyPr wrap="none" lIns="91440" tIns="45720" rIns="91440" bIns="45720">
-            <a:spAutoFit/>
-          </a:bodyPr>
-          <a:lstStyle/>
-          <a:p>
-            <a:pPr algn="ctr"/>
-            <a:r>
-              <a:rPr lang="en-US" sz="7000" dirty="0">
-                <a:ln w="0"/>
-                <a:gradFill>
-                  <a:gsLst>
-                    <a:gs pos="0">
-                      <a:schemeClr val="accent5">
-                        <a:lumMod val="50000"/>
-                      </a:schemeClr>
-                    </a:gs>
-                    <a:gs pos="50000">
-                      <a:schemeClr val="accent5"/>
-                    </a:gs>
-                    <a:gs pos="100000">
-                      <a:schemeClr val="accent5">
-                        <a:lumMod val="60000"/>
-                        <a:lumOff val="40000"/>
-                      </a:schemeClr>
-                    </a:gs>
-                  </a:gsLst>
-                  <a:lin ang="5400000"/>
-                </a:gradFill>
-                <a:effectLst>
-                  <a:reflection blurRad="6350" stA="53000" endA="300" endPos="35500" dir="5400000" sy="-90000" algn="bl" rotWithShape="0"/>
-                </a:effectLst>
-              </a:rPr>
-              <a:t>ER Diagram</a:t>
-            </a:r>
-          </a:p>
-        </p:txBody>
-      </p:sp>
-    </p:spTree>
-    <p:extLst>
-      <p:ext uri="{BB962C8B-B14F-4D97-AF65-F5344CB8AC3E}">
-        <p14:creationId xmlns:p14="http://schemas.microsoft.com/office/powerpoint/2010/main" val="3768901151"/>
       </p:ext>
     </p:extLst>
   </p:cSld>
@@ -8771,7 +8905,7 @@
         </p:nvSpPr>
         <p:spPr>
           <a:xfrm>
-            <a:off x="4843096" y="413238"/>
+            <a:off x="4200543" y="413238"/>
             <a:ext cx="2505808" cy="646331"/>
           </a:xfrm>
           <a:prstGeom prst="rect">
@@ -8846,7 +8980,7 @@
         </p:blipFill>
         <p:spPr>
           <a:xfrm>
-            <a:off x="3911812" y="829039"/>
+            <a:off x="3211594" y="829039"/>
             <a:ext cx="4368375" cy="5707163"/>
           </a:xfrm>
           <a:prstGeom prst="rect">
@@ -8886,20 +9020,20 @@
       </p:grpSpPr>
       <p:sp>
         <p:nvSpPr>
-          <p:cNvPr id="7" name="TextBox 6">
+          <p:cNvPr id="4" name="Rectangle 3">
             <a:extLst>
               <a:ext uri="{FF2B5EF4-FFF2-40B4-BE49-F238E27FC236}">
-                <a16:creationId xmlns:a16="http://schemas.microsoft.com/office/drawing/2014/main" id="{D223F1C7-BD0F-4BCD-A8C7-53EC81797464}"/>
+                <a16:creationId xmlns:a16="http://schemas.microsoft.com/office/drawing/2014/main" id="{CE6E215E-0B65-4FB7-AE56-FC2A99FEEE8B}"/>
               </a:ext>
             </a:extLst>
           </p:cNvPr>
-          <p:cNvSpPr txBox="1"/>
+          <p:cNvSpPr/>
           <p:nvPr/>
         </p:nvSpPr>
         <p:spPr>
           <a:xfrm>
-            <a:off x="844061" y="414466"/>
-            <a:ext cx="7949714" cy="485710"/>
+            <a:off x="3200662" y="2518908"/>
+            <a:ext cx="4753224" cy="1169551"/>
           </a:xfrm>
           <a:prstGeom prst="rect">
             <a:avLst/>
@@ -8907,95 +9041,47 @@
           <a:noFill/>
         </p:spPr>
         <p:txBody>
-          <a:bodyPr wrap="square" rtlCol="0">
+          <a:bodyPr wrap="none" lIns="91440" tIns="45720" rIns="91440" bIns="45720">
             <a:spAutoFit/>
           </a:bodyPr>
           <a:lstStyle/>
           <a:p>
-            <a:pPr marL="0" marR="0">
-              <a:lnSpc>
-                <a:spcPct val="107000"/>
-              </a:lnSpc>
-              <a:spcBef>
-                <a:spcPts val="0"/>
-              </a:spcBef>
-              <a:spcAft>
-                <a:spcPts val="800"/>
-              </a:spcAft>
-            </a:pPr>
-            <a:r>
-              <a:rPr lang="en-US" sz="2500" u="sng" dirty="0">
-                <a:ln>
-                  <a:noFill/>
-                </a:ln>
-                <a:solidFill>
-                  <a:srgbClr val="000000"/>
-                </a:solidFill>
+            <a:pPr algn="ctr"/>
+            <a:r>
+              <a:rPr lang="en-US" sz="7000" dirty="0">
+                <a:ln w="0"/>
+                <a:gradFill>
+                  <a:gsLst>
+                    <a:gs pos="0">
+                      <a:schemeClr val="accent5">
+                        <a:lumMod val="50000"/>
+                      </a:schemeClr>
+                    </a:gs>
+                    <a:gs pos="50000">
+                      <a:schemeClr val="accent5"/>
+                    </a:gs>
+                    <a:gs pos="100000">
+                      <a:schemeClr val="accent5">
+                        <a:lumMod val="60000"/>
+                        <a:lumOff val="40000"/>
+                      </a:schemeClr>
+                    </a:gs>
+                  </a:gsLst>
+                  <a:lin ang="5400000"/>
+                </a:gradFill>
                 <a:effectLst>
-                  <a:outerShdw blurRad="38100" dist="19050" dir="2700000" algn="tl">
-                    <a:schemeClr val="dk1">
-                      <a:alpha val="40000"/>
-                    </a:schemeClr>
-                  </a:outerShdw>
+                  <a:reflection blurRad="6350" stA="53000" endA="300" endPos="35500" dir="5400000" sy="-90000" algn="bl" rotWithShape="0"/>
                 </a:effectLst>
-                <a:latin typeface="Calibri" panose="020F0502020204030204" pitchFamily="34" charset="0"/>
-                <a:ea typeface="Calibri" panose="020F0502020204030204" pitchFamily="34" charset="0"/>
-                <a:cs typeface="Mangal" panose="02040503050203030202" pitchFamily="18" charset="0"/>
               </a:rPr>
               <a:t>ER Diagram</a:t>
             </a:r>
-            <a:endParaRPr lang="en-US" sz="2500" dirty="0">
-              <a:effectLst/>
-              <a:latin typeface="Calibri" panose="020F0502020204030204" pitchFamily="34" charset="0"/>
-              <a:ea typeface="Calibri" panose="020F0502020204030204" pitchFamily="34" charset="0"/>
-              <a:cs typeface="Mangal" panose="02040503050203030202" pitchFamily="18" charset="0"/>
-            </a:endParaRPr>
-          </a:p>
-        </p:txBody>
-      </p:sp>
-      <p:pic>
-        <p:nvPicPr>
-          <p:cNvPr id="5" name="Picture 4" descr="ER diagram of hospital management system | Practice | GeeksforGeeks">
-            <a:extLst>
-              <a:ext uri="{FF2B5EF4-FFF2-40B4-BE49-F238E27FC236}">
-                <a16:creationId xmlns:a16="http://schemas.microsoft.com/office/drawing/2014/main" id="{FA07EC2D-171C-4CEF-9E4C-D754AF0C182B}"/>
-              </a:ext>
-            </a:extLst>
-          </p:cNvPr>
-          <p:cNvPicPr/>
-          <p:nvPr/>
-        </p:nvPicPr>
-        <p:blipFill>
-          <a:blip r:embed="rId2">
-            <a:extLst>
-              <a:ext uri="{28A0092B-C50C-407E-A947-70E740481C1C}">
-                <a14:useLocalDpi xmlns:a14="http://schemas.microsoft.com/office/drawing/2010/main" val="0"/>
-              </a:ext>
-            </a:extLst>
-          </a:blip>
-          <a:srcRect/>
-          <a:stretch>
-            <a:fillRect/>
-          </a:stretch>
-        </p:blipFill>
-        <p:spPr bwMode="auto">
-          <a:xfrm>
-            <a:off x="844061" y="1321459"/>
-            <a:ext cx="5943600" cy="4496435"/>
-          </a:xfrm>
-          <a:prstGeom prst="rect">
-            <a:avLst/>
-          </a:prstGeom>
-          <a:noFill/>
-          <a:ln>
-            <a:noFill/>
-          </a:ln>
-        </p:spPr>
-      </p:pic>
+          </a:p>
+        </p:txBody>
+      </p:sp>
     </p:spTree>
     <p:extLst>
       <p:ext uri="{BB962C8B-B14F-4D97-AF65-F5344CB8AC3E}">
-        <p14:creationId xmlns:p14="http://schemas.microsoft.com/office/powerpoint/2010/main" val="3813116053"/>
+        <p14:creationId xmlns:p14="http://schemas.microsoft.com/office/powerpoint/2010/main" val="3768901151"/>
       </p:ext>
     </p:extLst>
   </p:cSld>
@@ -9024,6 +9110,135 @@
       </p:grpSpPr>
       <p:sp>
         <p:nvSpPr>
+          <p:cNvPr id="7" name="TextBox 6">
+            <a:extLst>
+              <a:ext uri="{FF2B5EF4-FFF2-40B4-BE49-F238E27FC236}">
+                <a16:creationId xmlns:a16="http://schemas.microsoft.com/office/drawing/2014/main" id="{D223F1C7-BD0F-4BCD-A8C7-53EC81797464}"/>
+              </a:ext>
+            </a:extLst>
+          </p:cNvPr>
+          <p:cNvSpPr txBox="1"/>
+          <p:nvPr/>
+        </p:nvSpPr>
+        <p:spPr>
+          <a:xfrm>
+            <a:off x="844061" y="414466"/>
+            <a:ext cx="7949714" cy="485710"/>
+          </a:xfrm>
+          <a:prstGeom prst="rect">
+            <a:avLst/>
+          </a:prstGeom>
+          <a:noFill/>
+        </p:spPr>
+        <p:txBody>
+          <a:bodyPr wrap="square" rtlCol="0">
+            <a:spAutoFit/>
+          </a:bodyPr>
+          <a:lstStyle/>
+          <a:p>
+            <a:pPr marL="0" marR="0">
+              <a:lnSpc>
+                <a:spcPct val="107000"/>
+              </a:lnSpc>
+              <a:spcBef>
+                <a:spcPts val="0"/>
+              </a:spcBef>
+              <a:spcAft>
+                <a:spcPts val="800"/>
+              </a:spcAft>
+            </a:pPr>
+            <a:r>
+              <a:rPr lang="en-US" sz="2500" u="sng" dirty="0">
+                <a:ln>
+                  <a:noFill/>
+                </a:ln>
+                <a:solidFill>
+                  <a:srgbClr val="000000"/>
+                </a:solidFill>
+                <a:effectLst>
+                  <a:outerShdw blurRad="38100" dist="19050" dir="2700000" algn="tl">
+                    <a:schemeClr val="dk1">
+                      <a:alpha val="40000"/>
+                    </a:schemeClr>
+                  </a:outerShdw>
+                </a:effectLst>
+                <a:latin typeface="Calibri" panose="020F0502020204030204" pitchFamily="34" charset="0"/>
+                <a:ea typeface="Calibri" panose="020F0502020204030204" pitchFamily="34" charset="0"/>
+                <a:cs typeface="Mangal" panose="02040503050203030202" pitchFamily="18" charset="0"/>
+              </a:rPr>
+              <a:t>ER Diagram</a:t>
+            </a:r>
+            <a:endParaRPr lang="en-US" sz="2500" dirty="0">
+              <a:effectLst/>
+              <a:latin typeface="Calibri" panose="020F0502020204030204" pitchFamily="34" charset="0"/>
+              <a:ea typeface="Calibri" panose="020F0502020204030204" pitchFamily="34" charset="0"/>
+              <a:cs typeface="Mangal" panose="02040503050203030202" pitchFamily="18" charset="0"/>
+            </a:endParaRPr>
+          </a:p>
+        </p:txBody>
+      </p:sp>
+      <p:pic>
+        <p:nvPicPr>
+          <p:cNvPr id="3" name="Picture 2">
+            <a:extLst>
+              <a:ext uri="{FF2B5EF4-FFF2-40B4-BE49-F238E27FC236}">
+                <a16:creationId xmlns:a16="http://schemas.microsoft.com/office/drawing/2014/main" id="{FE1669AF-FD08-4A19-8B55-F137AFEEFF39}"/>
+              </a:ext>
+            </a:extLst>
+          </p:cNvPr>
+          <p:cNvPicPr>
+            <a:picLocks noChangeAspect="1"/>
+          </p:cNvPicPr>
+          <p:nvPr/>
+        </p:nvPicPr>
+        <p:blipFill>
+          <a:blip r:embed="rId2"/>
+          <a:stretch>
+            <a:fillRect/>
+          </a:stretch>
+        </p:blipFill>
+        <p:spPr>
+          <a:xfrm>
+            <a:off x="696236" y="1081539"/>
+            <a:ext cx="5570703" cy="5776461"/>
+          </a:xfrm>
+          <a:prstGeom prst="rect">
+            <a:avLst/>
+          </a:prstGeom>
+        </p:spPr>
+      </p:pic>
+    </p:spTree>
+    <p:extLst>
+      <p:ext uri="{BB962C8B-B14F-4D97-AF65-F5344CB8AC3E}">
+        <p14:creationId xmlns:p14="http://schemas.microsoft.com/office/powerpoint/2010/main" val="3813116053"/>
+      </p:ext>
+    </p:extLst>
+  </p:cSld>
+  <p:clrMapOvr>
+    <a:masterClrMapping/>
+  </p:clrMapOvr>
+</p:sld>
+</file>
+
+<file path=ppt/slides/slide22.xml><?xml version="1.0" encoding="utf-8"?>
+<p:sld xmlns:a="http://schemas.openxmlformats.org/drawingml/2006/main" xmlns:r="http://schemas.openxmlformats.org/officeDocument/2006/relationships" xmlns:p="http://schemas.openxmlformats.org/presentationml/2006/main">
+  <p:cSld>
+    <p:spTree>
+      <p:nvGrpSpPr>
+        <p:cNvPr id="1" name=""/>
+        <p:cNvGrpSpPr/>
+        <p:nvPr/>
+      </p:nvGrpSpPr>
+      <p:grpSpPr>
+        <a:xfrm>
+          <a:off x="0" y="0"/>
+          <a:ext cx="0" cy="0"/>
+          <a:chOff x="0" y="0"/>
+          <a:chExt cx="0" cy="0"/>
+        </a:xfrm>
+      </p:grpSpPr>
+      <p:sp>
+        <p:nvSpPr>
           <p:cNvPr id="4" name="Rectangle 3">
             <a:extLst>
               <a:ext uri="{FF2B5EF4-FFF2-40B4-BE49-F238E27FC236}">
@@ -9157,7 +9372,7 @@
 </p:sld>
 </file>
 
-<file path=ppt/slides/slide22.xml><?xml version="1.0" encoding="utf-8"?>
+<file path=ppt/slides/slide23.xml><?xml version="1.0" encoding="utf-8"?>
 <p:sld xmlns:a="http://schemas.openxmlformats.org/drawingml/2006/main" xmlns:r="http://schemas.openxmlformats.org/officeDocument/2006/relationships" xmlns:p="http://schemas.openxmlformats.org/presentationml/2006/main" showMasterSp="0">
   <p:cSld>
     <p:spTree>
@@ -9284,7 +9499,7 @@
 </p:sld>
 </file>
 
-<file path=ppt/slides/slide23.xml><?xml version="1.0" encoding="utf-8"?>
+<file path=ppt/slides/slide24.xml><?xml version="1.0" encoding="utf-8"?>
 <p:sld xmlns:a="http://schemas.openxmlformats.org/drawingml/2006/main" xmlns:r="http://schemas.openxmlformats.org/officeDocument/2006/relationships" xmlns:p="http://schemas.openxmlformats.org/presentationml/2006/main">
   <p:cSld>
     <p:spTree>
@@ -9411,7 +9626,7 @@
 </p:sld>
 </file>
 
-<file path=ppt/slides/slide24.xml><?xml version="1.0" encoding="utf-8"?>
+<file path=ppt/slides/slide25.xml><?xml version="1.0" encoding="utf-8"?>
 <p:sld xmlns:a="http://schemas.openxmlformats.org/drawingml/2006/main" xmlns:r="http://schemas.openxmlformats.org/officeDocument/2006/relationships" xmlns:p="http://schemas.openxmlformats.org/presentationml/2006/main">
   <p:cSld>
     <p:spTree>
@@ -9538,7 +9753,7 @@
 </p:sld>
 </file>
 
-<file path=ppt/slides/slide25.xml><?xml version="1.0" encoding="utf-8"?>
+<file path=ppt/slides/slide26.xml><?xml version="1.0" encoding="utf-8"?>
 <p:sld xmlns:a="http://schemas.openxmlformats.org/drawingml/2006/main" xmlns:r="http://schemas.openxmlformats.org/officeDocument/2006/relationships" xmlns:p="http://schemas.openxmlformats.org/presentationml/2006/main">
   <p:cSld>
     <p:spTree>
@@ -9665,7 +9880,7 @@
 </p:sld>
 </file>
 
-<file path=ppt/slides/slide26.xml><?xml version="1.0" encoding="utf-8"?>
+<file path=ppt/slides/slide27.xml><?xml version="1.0" encoding="utf-8"?>
 <p:sld xmlns:a="http://schemas.openxmlformats.org/drawingml/2006/main" xmlns:r="http://schemas.openxmlformats.org/officeDocument/2006/relationships" xmlns:p="http://schemas.openxmlformats.org/presentationml/2006/main">
   <p:cSld>
     <p:spTree>
@@ -9792,7 +10007,7 @@
 </p:sld>
 </file>
 
-<file path=ppt/slides/slide27.xml><?xml version="1.0" encoding="utf-8"?>
+<file path=ppt/slides/slide28.xml><?xml version="1.0" encoding="utf-8"?>
 <p:sld xmlns:a="http://schemas.openxmlformats.org/drawingml/2006/main" xmlns:r="http://schemas.openxmlformats.org/officeDocument/2006/relationships" xmlns:p="http://schemas.openxmlformats.org/presentationml/2006/main">
   <p:cSld>
     <p:spTree>
@@ -9919,7 +10134,7 @@
 </p:sld>
 </file>
 
-<file path=ppt/slides/slide28.xml><?xml version="1.0" encoding="utf-8"?>
+<file path=ppt/slides/slide29.xml><?xml version="1.0" encoding="utf-8"?>
 <p:sld xmlns:a="http://schemas.openxmlformats.org/drawingml/2006/main" xmlns:r="http://schemas.openxmlformats.org/officeDocument/2006/relationships" xmlns:p="http://schemas.openxmlformats.org/presentationml/2006/main">
   <p:cSld>
     <p:spTree>
@@ -10046,96 +10261,6 @@
 </p:sld>
 </file>
 
-<file path=ppt/slides/slide29.xml><?xml version="1.0" encoding="utf-8"?>
-<p:sld xmlns:a="http://schemas.openxmlformats.org/drawingml/2006/main" xmlns:r="http://schemas.openxmlformats.org/officeDocument/2006/relationships" xmlns:p="http://schemas.openxmlformats.org/presentationml/2006/main">
-  <p:cSld>
-    <p:spTree>
-      <p:nvGrpSpPr>
-        <p:cNvPr id="1" name=""/>
-        <p:cNvGrpSpPr/>
-        <p:nvPr/>
-      </p:nvGrpSpPr>
-      <p:grpSpPr>
-        <a:xfrm>
-          <a:off x="0" y="0"/>
-          <a:ext cx="0" cy="0"/>
-          <a:chOff x="0" y="0"/>
-          <a:chExt cx="0" cy="0"/>
-        </a:xfrm>
-      </p:grpSpPr>
-      <p:sp>
-        <p:nvSpPr>
-          <p:cNvPr id="4" name="Rectangle 3">
-            <a:extLst>
-              <a:ext uri="{FF2B5EF4-FFF2-40B4-BE49-F238E27FC236}">
-                <a16:creationId xmlns:a16="http://schemas.microsoft.com/office/drawing/2014/main" id="{CE6E215E-0B65-4FB7-AE56-FC2A99FEEE8B}"/>
-              </a:ext>
-            </a:extLst>
-          </p:cNvPr>
-          <p:cNvSpPr/>
-          <p:nvPr/>
-        </p:nvSpPr>
-        <p:spPr>
-          <a:xfrm>
-            <a:off x="3052363" y="2026539"/>
-            <a:ext cx="4487127" cy="1169551"/>
-          </a:xfrm>
-          <a:prstGeom prst="rect">
-            <a:avLst/>
-          </a:prstGeom>
-          <a:noFill/>
-        </p:spPr>
-        <p:txBody>
-          <a:bodyPr wrap="none" lIns="91440" tIns="45720" rIns="91440" bIns="45720">
-            <a:spAutoFit/>
-          </a:bodyPr>
-          <a:lstStyle/>
-          <a:p>
-            <a:pPr algn="ctr"/>
-            <a:r>
-              <a:rPr lang="en-US" sz="7000" dirty="0">
-                <a:ln w="0"/>
-                <a:gradFill>
-                  <a:gsLst>
-                    <a:gs pos="0">
-                      <a:schemeClr val="accent5">
-                        <a:lumMod val="50000"/>
-                      </a:schemeClr>
-                    </a:gs>
-                    <a:gs pos="50000">
-                      <a:schemeClr val="accent5"/>
-                    </a:gs>
-                    <a:gs pos="100000">
-                      <a:schemeClr val="accent5">
-                        <a:lumMod val="60000"/>
-                        <a:lumOff val="40000"/>
-                      </a:schemeClr>
-                    </a:gs>
-                  </a:gsLst>
-                  <a:lin ang="5400000"/>
-                </a:gradFill>
-                <a:effectLst>
-                  <a:reflection blurRad="6350" stA="53000" endA="300" endPos="35500" dir="5400000" sy="-90000" algn="bl" rotWithShape="0"/>
-                </a:effectLst>
-              </a:rPr>
-              <a:t>Conclusion</a:t>
-            </a:r>
-          </a:p>
-        </p:txBody>
-      </p:sp>
-    </p:spTree>
-    <p:extLst>
-      <p:ext uri="{BB962C8B-B14F-4D97-AF65-F5344CB8AC3E}">
-        <p14:creationId xmlns:p14="http://schemas.microsoft.com/office/powerpoint/2010/main" val="3379211410"/>
-      </p:ext>
-    </p:extLst>
-  </p:cSld>
-  <p:clrMapOvr>
-    <a:masterClrMapping/>
-  </p:clrMapOvr>
-</p:sld>
-</file>
-
 <file path=ppt/slides/slide3.xml><?xml version="1.0" encoding="utf-8"?>
 <p:sld xmlns:a="http://schemas.openxmlformats.org/drawingml/2006/main" xmlns:r="http://schemas.openxmlformats.org/officeDocument/2006/relationships" xmlns:p="http://schemas.openxmlformats.org/presentationml/2006/main">
   <p:cSld>
@@ -10236,7 +10361,7 @@
         </p:nvSpPr>
         <p:spPr>
           <a:xfrm>
-            <a:off x="1935407" y="1537254"/>
+            <a:off x="1103382" y="1537254"/>
             <a:ext cx="8321186" cy="2256323"/>
           </a:xfrm>
           <a:prstGeom prst="rect">
@@ -10622,7 +10747,7 @@
         </p:nvSpPr>
         <p:spPr>
           <a:xfrm>
-            <a:off x="7536160" y="5087634"/>
+            <a:off x="6333432" y="5087634"/>
             <a:ext cx="3307373" cy="923330"/>
           </a:xfrm>
           <a:prstGeom prst="rect">
@@ -10774,7 +10899,7 @@
         </p:blipFill>
         <p:spPr>
           <a:xfrm>
-            <a:off x="7811897" y="4115003"/>
+            <a:off x="6996345" y="4115003"/>
             <a:ext cx="1377950" cy="854075"/>
           </a:xfrm>
           <a:prstGeom prst="rect">
@@ -10814,20 +10939,20 @@
       </p:grpSpPr>
       <p:sp>
         <p:nvSpPr>
-          <p:cNvPr id="7" name="TextBox 6">
+          <p:cNvPr id="4" name="Rectangle 3">
             <a:extLst>
               <a:ext uri="{FF2B5EF4-FFF2-40B4-BE49-F238E27FC236}">
-                <a16:creationId xmlns:a16="http://schemas.microsoft.com/office/drawing/2014/main" id="{D223F1C7-BD0F-4BCD-A8C7-53EC81797464}"/>
+                <a16:creationId xmlns:a16="http://schemas.microsoft.com/office/drawing/2014/main" id="{CE6E215E-0B65-4FB7-AE56-FC2A99FEEE8B}"/>
               </a:ext>
             </a:extLst>
           </p:cNvPr>
-          <p:cNvSpPr txBox="1"/>
+          <p:cNvSpPr/>
           <p:nvPr/>
         </p:nvSpPr>
         <p:spPr>
           <a:xfrm>
-            <a:off x="844061" y="414466"/>
-            <a:ext cx="7949714" cy="485710"/>
+            <a:off x="3052363" y="2026539"/>
+            <a:ext cx="4487127" cy="1169551"/>
           </a:xfrm>
           <a:prstGeom prst="rect">
             <a:avLst/>
@@ -10835,154 +10960,47 @@
           <a:noFill/>
         </p:spPr>
         <p:txBody>
-          <a:bodyPr wrap="square" rtlCol="0">
+          <a:bodyPr wrap="none" lIns="91440" tIns="45720" rIns="91440" bIns="45720">
             <a:spAutoFit/>
           </a:bodyPr>
           <a:lstStyle/>
           <a:p>
-            <a:pPr marL="0" marR="0">
-              <a:lnSpc>
-                <a:spcPct val="107000"/>
-              </a:lnSpc>
-              <a:spcBef>
-                <a:spcPts val="0"/>
-              </a:spcBef>
-              <a:spcAft>
-                <a:spcPts val="800"/>
-              </a:spcAft>
-            </a:pPr>
-            <a:r>
-              <a:rPr lang="en-US" sz="2500" u="sng" dirty="0">
-                <a:ln>
-                  <a:noFill/>
-                </a:ln>
-                <a:solidFill>
-                  <a:srgbClr val="000000"/>
-                </a:solidFill>
+            <a:pPr algn="ctr"/>
+            <a:r>
+              <a:rPr lang="en-US" sz="7000" dirty="0">
+                <a:ln w="0"/>
+                <a:gradFill>
+                  <a:gsLst>
+                    <a:gs pos="0">
+                      <a:schemeClr val="accent5">
+                        <a:lumMod val="50000"/>
+                      </a:schemeClr>
+                    </a:gs>
+                    <a:gs pos="50000">
+                      <a:schemeClr val="accent5"/>
+                    </a:gs>
+                    <a:gs pos="100000">
+                      <a:schemeClr val="accent5">
+                        <a:lumMod val="60000"/>
+                        <a:lumOff val="40000"/>
+                      </a:schemeClr>
+                    </a:gs>
+                  </a:gsLst>
+                  <a:lin ang="5400000"/>
+                </a:gradFill>
                 <a:effectLst>
-                  <a:outerShdw blurRad="38100" dist="19050" dir="2700000" algn="tl">
-                    <a:schemeClr val="dk1">
-                      <a:alpha val="40000"/>
-                    </a:schemeClr>
-                  </a:outerShdw>
+                  <a:reflection blurRad="6350" stA="53000" endA="300" endPos="35500" dir="5400000" sy="-90000" algn="bl" rotWithShape="0"/>
                 </a:effectLst>
-                <a:latin typeface="Calibri" panose="020F0502020204030204" pitchFamily="34" charset="0"/>
-                <a:ea typeface="Calibri" panose="020F0502020204030204" pitchFamily="34" charset="0"/>
-                <a:cs typeface="Mangal" panose="02040503050203030202" pitchFamily="18" charset="0"/>
               </a:rPr>
               <a:t>Conclusion</a:t>
             </a:r>
-            <a:endParaRPr lang="en-US" sz="2500" dirty="0">
-              <a:effectLst/>
-              <a:latin typeface="Calibri" panose="020F0502020204030204" pitchFamily="34" charset="0"/>
-              <a:ea typeface="Calibri" panose="020F0502020204030204" pitchFamily="34" charset="0"/>
-              <a:cs typeface="Mangal" panose="02040503050203030202" pitchFamily="18" charset="0"/>
-            </a:endParaRPr>
-          </a:p>
-        </p:txBody>
-      </p:sp>
-      <p:sp>
-        <p:nvSpPr>
-          <p:cNvPr id="5" name="TextBox 4">
-            <a:extLst>
-              <a:ext uri="{FF2B5EF4-FFF2-40B4-BE49-F238E27FC236}">
-                <a16:creationId xmlns:a16="http://schemas.microsoft.com/office/drawing/2014/main" id="{2224C726-D1C6-4616-8C4B-644426E7EF72}"/>
-              </a:ext>
-            </a:extLst>
-          </p:cNvPr>
-          <p:cNvSpPr txBox="1"/>
-          <p:nvPr/>
-        </p:nvSpPr>
-        <p:spPr>
-          <a:xfrm>
-            <a:off x="844061" y="1336281"/>
-            <a:ext cx="7949714" cy="1477328"/>
-          </a:xfrm>
-          <a:prstGeom prst="rect">
-            <a:avLst/>
-          </a:prstGeom>
-          <a:noFill/>
-        </p:spPr>
-        <p:txBody>
-          <a:bodyPr wrap="square">
-            <a:spAutoFit/>
-          </a:bodyPr>
-          <a:lstStyle/>
-          <a:p>
-            <a:r>
-              <a:rPr lang="en-US" sz="1800" dirty="0">
-                <a:effectLst/>
-                <a:latin typeface="Calibri" panose="020F0502020204030204" pitchFamily="34" charset="0"/>
-                <a:ea typeface="Calibri" panose="020F0502020204030204" pitchFamily="34" charset="0"/>
-                <a:cs typeface="Mangal" panose="02040503050203030202" pitchFamily="18" charset="0"/>
-              </a:rPr>
-              <a:t>According to the HIS function requirement as well as combining the intrinsic HIS preferably, our research has designed and realized a set of safe, stable and easy-to handle beds resource management information system aiming at the problems of “difficult to be hospitalized”, which provide the hospital beds centralized management with comprehensive information solutions </a:t>
-            </a:r>
-            <a:endParaRPr lang="en-US" dirty="0"/>
-          </a:p>
-        </p:txBody>
-      </p:sp>
-      <p:sp>
-        <p:nvSpPr>
-          <p:cNvPr id="8" name="TextBox 7">
-            <a:extLst>
-              <a:ext uri="{FF2B5EF4-FFF2-40B4-BE49-F238E27FC236}">
-                <a16:creationId xmlns:a16="http://schemas.microsoft.com/office/drawing/2014/main" id="{25E870EA-8457-4203-925B-BF4C1CAF953C}"/>
-              </a:ext>
-            </a:extLst>
-          </p:cNvPr>
-          <p:cNvSpPr txBox="1"/>
-          <p:nvPr/>
-        </p:nvSpPr>
-        <p:spPr>
-          <a:xfrm>
-            <a:off x="844061" y="3115708"/>
-            <a:ext cx="7816362" cy="2153731"/>
-          </a:xfrm>
-          <a:prstGeom prst="rect">
-            <a:avLst/>
-          </a:prstGeom>
-          <a:noFill/>
-        </p:spPr>
-        <p:txBody>
-          <a:bodyPr wrap="square">
-            <a:spAutoFit/>
-          </a:bodyPr>
-          <a:lstStyle/>
-          <a:p>
-            <a:pPr marL="0" marR="0">
-              <a:lnSpc>
-                <a:spcPct val="107000"/>
-              </a:lnSpc>
-              <a:spcBef>
-                <a:spcPts val="0"/>
-              </a:spcBef>
-              <a:spcAft>
-                <a:spcPts val="0"/>
-              </a:spcAft>
-            </a:pPr>
-            <a:r>
-              <a:rPr lang="en-US" sz="1800" dirty="0">
-                <a:effectLst/>
-                <a:latin typeface="Calibri" panose="020F0502020204030204" pitchFamily="34" charset="0"/>
-                <a:ea typeface="Calibri" panose="020F0502020204030204" pitchFamily="34" charset="0"/>
-                <a:cs typeface="Mangal" panose="02040503050203030202" pitchFamily="18" charset="0"/>
-              </a:rPr>
-              <a:t>The research highlighted a very complex and difficult issue of hospital bed allocation experienced by most major hospitals. The current systems have vast amount of written information located in a variety of computer and hardcopy file areas which require specific targeted searching. E-Beds has integrated these existing information systems and formats and provides a level of visualization which allows health care professionals to make informed and more accurate decisions for patient administration.</a:t>
-            </a:r>
-            <a:endParaRPr lang="en-US" sz="1200" dirty="0">
-              <a:effectLst/>
-              <a:latin typeface="Calibri" panose="020F0502020204030204" pitchFamily="34" charset="0"/>
-              <a:ea typeface="Calibri" panose="020F0502020204030204" pitchFamily="34" charset="0"/>
-              <a:cs typeface="Mangal" panose="02040503050203030202" pitchFamily="18" charset="0"/>
-            </a:endParaRPr>
           </a:p>
         </p:txBody>
       </p:sp>
     </p:spTree>
     <p:extLst>
       <p:ext uri="{BB962C8B-B14F-4D97-AF65-F5344CB8AC3E}">
-        <p14:creationId xmlns:p14="http://schemas.microsoft.com/office/powerpoint/2010/main" val="2486781134"/>
+        <p14:creationId xmlns:p14="http://schemas.microsoft.com/office/powerpoint/2010/main" val="3379211410"/>
       </p:ext>
     </p:extLst>
   </p:cSld>
@@ -11011,20 +11029,20 @@
       </p:grpSpPr>
       <p:sp>
         <p:nvSpPr>
-          <p:cNvPr id="4" name="Rectangle 3">
+          <p:cNvPr id="7" name="TextBox 6">
             <a:extLst>
               <a:ext uri="{FF2B5EF4-FFF2-40B4-BE49-F238E27FC236}">
-                <a16:creationId xmlns:a16="http://schemas.microsoft.com/office/drawing/2014/main" id="{CE6E215E-0B65-4FB7-AE56-FC2A99FEEE8B}"/>
+                <a16:creationId xmlns:a16="http://schemas.microsoft.com/office/drawing/2014/main" id="{D223F1C7-BD0F-4BCD-A8C7-53EC81797464}"/>
               </a:ext>
             </a:extLst>
           </p:cNvPr>
-          <p:cNvSpPr/>
+          <p:cNvSpPr txBox="1"/>
           <p:nvPr/>
         </p:nvSpPr>
         <p:spPr>
           <a:xfrm>
-            <a:off x="2992800" y="2026539"/>
-            <a:ext cx="4606261" cy="1169551"/>
+            <a:off x="844061" y="414466"/>
+            <a:ext cx="7949714" cy="485710"/>
           </a:xfrm>
           <a:prstGeom prst="rect">
             <a:avLst/>
@@ -11032,47 +11050,154 @@
           <a:noFill/>
         </p:spPr>
         <p:txBody>
-          <a:bodyPr wrap="none" lIns="91440" tIns="45720" rIns="91440" bIns="45720">
+          <a:bodyPr wrap="square" rtlCol="0">
             <a:spAutoFit/>
           </a:bodyPr>
           <a:lstStyle/>
           <a:p>
-            <a:pPr algn="ctr"/>
-            <a:r>
-              <a:rPr lang="en-US" sz="7000" dirty="0">
-                <a:ln w="0"/>
-                <a:gradFill>
-                  <a:gsLst>
-                    <a:gs pos="0">
-                      <a:schemeClr val="accent5">
-                        <a:lumMod val="50000"/>
-                      </a:schemeClr>
-                    </a:gs>
-                    <a:gs pos="50000">
-                      <a:schemeClr val="accent5"/>
-                    </a:gs>
-                    <a:gs pos="100000">
-                      <a:schemeClr val="accent5">
-                        <a:lumMod val="60000"/>
-                        <a:lumOff val="40000"/>
-                      </a:schemeClr>
-                    </a:gs>
-                  </a:gsLst>
-                  <a:lin ang="5400000"/>
-                </a:gradFill>
+            <a:pPr marL="0" marR="0">
+              <a:lnSpc>
+                <a:spcPct val="107000"/>
+              </a:lnSpc>
+              <a:spcBef>
+                <a:spcPts val="0"/>
+              </a:spcBef>
+              <a:spcAft>
+                <a:spcPts val="800"/>
+              </a:spcAft>
+            </a:pPr>
+            <a:r>
+              <a:rPr lang="en-US" sz="2500" u="sng" dirty="0">
+                <a:ln>
+                  <a:noFill/>
+                </a:ln>
+                <a:solidFill>
+                  <a:srgbClr val="000000"/>
+                </a:solidFill>
                 <a:effectLst>
-                  <a:reflection blurRad="6350" stA="53000" endA="300" endPos="35500" dir="5400000" sy="-90000" algn="bl" rotWithShape="0"/>
+                  <a:outerShdw blurRad="38100" dist="19050" dir="2700000" algn="tl">
+                    <a:schemeClr val="dk1">
+                      <a:alpha val="40000"/>
+                    </a:schemeClr>
+                  </a:outerShdw>
                 </a:effectLst>
-              </a:rPr>
-              <a:t>References</a:t>
-            </a:r>
+                <a:latin typeface="Calibri" panose="020F0502020204030204" pitchFamily="34" charset="0"/>
+                <a:ea typeface="Calibri" panose="020F0502020204030204" pitchFamily="34" charset="0"/>
+                <a:cs typeface="Mangal" panose="02040503050203030202" pitchFamily="18" charset="0"/>
+              </a:rPr>
+              <a:t>Conclusion</a:t>
+            </a:r>
+            <a:endParaRPr lang="en-US" sz="2500" dirty="0">
+              <a:effectLst/>
+              <a:latin typeface="Calibri" panose="020F0502020204030204" pitchFamily="34" charset="0"/>
+              <a:ea typeface="Calibri" panose="020F0502020204030204" pitchFamily="34" charset="0"/>
+              <a:cs typeface="Mangal" panose="02040503050203030202" pitchFamily="18" charset="0"/>
+            </a:endParaRPr>
+          </a:p>
+        </p:txBody>
+      </p:sp>
+      <p:sp>
+        <p:nvSpPr>
+          <p:cNvPr id="5" name="TextBox 4">
+            <a:extLst>
+              <a:ext uri="{FF2B5EF4-FFF2-40B4-BE49-F238E27FC236}">
+                <a16:creationId xmlns:a16="http://schemas.microsoft.com/office/drawing/2014/main" id="{2224C726-D1C6-4616-8C4B-644426E7EF72}"/>
+              </a:ext>
+            </a:extLst>
+          </p:cNvPr>
+          <p:cNvSpPr txBox="1"/>
+          <p:nvPr/>
+        </p:nvSpPr>
+        <p:spPr>
+          <a:xfrm>
+            <a:off x="844061" y="1336281"/>
+            <a:ext cx="7949714" cy="1477328"/>
+          </a:xfrm>
+          <a:prstGeom prst="rect">
+            <a:avLst/>
+          </a:prstGeom>
+          <a:noFill/>
+        </p:spPr>
+        <p:txBody>
+          <a:bodyPr wrap="square">
+            <a:spAutoFit/>
+          </a:bodyPr>
+          <a:lstStyle/>
+          <a:p>
+            <a:r>
+              <a:rPr lang="en-US" sz="1800" dirty="0">
+                <a:effectLst/>
+                <a:latin typeface="Calibri" panose="020F0502020204030204" pitchFamily="34" charset="0"/>
+                <a:ea typeface="Calibri" panose="020F0502020204030204" pitchFamily="34" charset="0"/>
+                <a:cs typeface="Mangal" panose="02040503050203030202" pitchFamily="18" charset="0"/>
+              </a:rPr>
+              <a:t>According to the HIS function requirement as well as combining the intrinsic HIS preferably, our research has designed and realized a set of safe, stable and easy-to handle beds resource management information system aiming at the problems of “difficult to be hospitalized”, which provide the hospital beds centralized management with comprehensive information solutions </a:t>
+            </a:r>
+            <a:endParaRPr lang="en-US" dirty="0"/>
+          </a:p>
+        </p:txBody>
+      </p:sp>
+      <p:sp>
+        <p:nvSpPr>
+          <p:cNvPr id="8" name="TextBox 7">
+            <a:extLst>
+              <a:ext uri="{FF2B5EF4-FFF2-40B4-BE49-F238E27FC236}">
+                <a16:creationId xmlns:a16="http://schemas.microsoft.com/office/drawing/2014/main" id="{25E870EA-8457-4203-925B-BF4C1CAF953C}"/>
+              </a:ext>
+            </a:extLst>
+          </p:cNvPr>
+          <p:cNvSpPr txBox="1"/>
+          <p:nvPr/>
+        </p:nvSpPr>
+        <p:spPr>
+          <a:xfrm>
+            <a:off x="844061" y="3115708"/>
+            <a:ext cx="7816362" cy="2153731"/>
+          </a:xfrm>
+          <a:prstGeom prst="rect">
+            <a:avLst/>
+          </a:prstGeom>
+          <a:noFill/>
+        </p:spPr>
+        <p:txBody>
+          <a:bodyPr wrap="square">
+            <a:spAutoFit/>
+          </a:bodyPr>
+          <a:lstStyle/>
+          <a:p>
+            <a:pPr marL="0" marR="0">
+              <a:lnSpc>
+                <a:spcPct val="107000"/>
+              </a:lnSpc>
+              <a:spcBef>
+                <a:spcPts val="0"/>
+              </a:spcBef>
+              <a:spcAft>
+                <a:spcPts val="0"/>
+              </a:spcAft>
+            </a:pPr>
+            <a:r>
+              <a:rPr lang="en-US" sz="1800" dirty="0">
+                <a:effectLst/>
+                <a:latin typeface="Calibri" panose="020F0502020204030204" pitchFamily="34" charset="0"/>
+                <a:ea typeface="Calibri" panose="020F0502020204030204" pitchFamily="34" charset="0"/>
+                <a:cs typeface="Mangal" panose="02040503050203030202" pitchFamily="18" charset="0"/>
+              </a:rPr>
+              <a:t>The research highlighted a very complex and difficult issue of hospital bed allocation experienced by most major hospitals. The current systems have vast amount of written information located in a variety of computer and hardcopy file areas which require specific targeted searching. E-Beds has integrated these existing information systems and formats and provides a level of visualization which allows health care professionals to make informed and more accurate decisions for patient administration.</a:t>
+            </a:r>
+            <a:endParaRPr lang="en-US" sz="1200" dirty="0">
+              <a:effectLst/>
+              <a:latin typeface="Calibri" panose="020F0502020204030204" pitchFamily="34" charset="0"/>
+              <a:ea typeface="Calibri" panose="020F0502020204030204" pitchFamily="34" charset="0"/>
+              <a:cs typeface="Mangal" panose="02040503050203030202" pitchFamily="18" charset="0"/>
+            </a:endParaRPr>
           </a:p>
         </p:txBody>
       </p:sp>
     </p:spTree>
     <p:extLst>
       <p:ext uri="{BB962C8B-B14F-4D97-AF65-F5344CB8AC3E}">
-        <p14:creationId xmlns:p14="http://schemas.microsoft.com/office/powerpoint/2010/main" val="2294252435"/>
+        <p14:creationId xmlns:p14="http://schemas.microsoft.com/office/powerpoint/2010/main" val="2486781134"/>
       </p:ext>
     </p:extLst>
   </p:cSld>
@@ -11101,6 +11226,96 @@
       </p:grpSpPr>
       <p:sp>
         <p:nvSpPr>
+          <p:cNvPr id="4" name="Rectangle 3">
+            <a:extLst>
+              <a:ext uri="{FF2B5EF4-FFF2-40B4-BE49-F238E27FC236}">
+                <a16:creationId xmlns:a16="http://schemas.microsoft.com/office/drawing/2014/main" id="{CE6E215E-0B65-4FB7-AE56-FC2A99FEEE8B}"/>
+              </a:ext>
+            </a:extLst>
+          </p:cNvPr>
+          <p:cNvSpPr/>
+          <p:nvPr/>
+        </p:nvSpPr>
+        <p:spPr>
+          <a:xfrm>
+            <a:off x="2992800" y="2026539"/>
+            <a:ext cx="4606261" cy="1169551"/>
+          </a:xfrm>
+          <a:prstGeom prst="rect">
+            <a:avLst/>
+          </a:prstGeom>
+          <a:noFill/>
+        </p:spPr>
+        <p:txBody>
+          <a:bodyPr wrap="none" lIns="91440" tIns="45720" rIns="91440" bIns="45720">
+            <a:spAutoFit/>
+          </a:bodyPr>
+          <a:lstStyle/>
+          <a:p>
+            <a:pPr algn="ctr"/>
+            <a:r>
+              <a:rPr lang="en-US" sz="7000" dirty="0">
+                <a:ln w="0"/>
+                <a:gradFill>
+                  <a:gsLst>
+                    <a:gs pos="0">
+                      <a:schemeClr val="accent5">
+                        <a:lumMod val="50000"/>
+                      </a:schemeClr>
+                    </a:gs>
+                    <a:gs pos="50000">
+                      <a:schemeClr val="accent5"/>
+                    </a:gs>
+                    <a:gs pos="100000">
+                      <a:schemeClr val="accent5">
+                        <a:lumMod val="60000"/>
+                        <a:lumOff val="40000"/>
+                      </a:schemeClr>
+                    </a:gs>
+                  </a:gsLst>
+                  <a:lin ang="5400000"/>
+                </a:gradFill>
+                <a:effectLst>
+                  <a:reflection blurRad="6350" stA="53000" endA="300" endPos="35500" dir="5400000" sy="-90000" algn="bl" rotWithShape="0"/>
+                </a:effectLst>
+              </a:rPr>
+              <a:t>References</a:t>
+            </a:r>
+          </a:p>
+        </p:txBody>
+      </p:sp>
+    </p:spTree>
+    <p:extLst>
+      <p:ext uri="{BB962C8B-B14F-4D97-AF65-F5344CB8AC3E}">
+        <p14:creationId xmlns:p14="http://schemas.microsoft.com/office/powerpoint/2010/main" val="2294252435"/>
+      </p:ext>
+    </p:extLst>
+  </p:cSld>
+  <p:clrMapOvr>
+    <a:masterClrMapping/>
+  </p:clrMapOvr>
+</p:sld>
+</file>
+
+<file path=ppt/slides/slide33.xml><?xml version="1.0" encoding="utf-8"?>
+<p:sld xmlns:a="http://schemas.openxmlformats.org/drawingml/2006/main" xmlns:r="http://schemas.openxmlformats.org/officeDocument/2006/relationships" xmlns:p="http://schemas.openxmlformats.org/presentationml/2006/main">
+  <p:cSld>
+    <p:spTree>
+      <p:nvGrpSpPr>
+        <p:cNvPr id="1" name=""/>
+        <p:cNvGrpSpPr/>
+        <p:nvPr/>
+      </p:nvGrpSpPr>
+      <p:grpSpPr>
+        <a:xfrm>
+          <a:off x="0" y="0"/>
+          <a:ext cx="0" cy="0"/>
+          <a:chOff x="0" y="0"/>
+          <a:chExt cx="0" cy="0"/>
+        </a:xfrm>
+      </p:grpSpPr>
+      <p:sp>
+        <p:nvSpPr>
           <p:cNvPr id="7" name="TextBox 6">
             <a:extLst>
               <a:ext uri="{FF2B5EF4-FFF2-40B4-BE49-F238E27FC236}">
@@ -11614,7 +11829,7 @@
 </p:sld>
 </file>
 
-<file path=ppt/slides/slide33.xml><?xml version="1.0" encoding="utf-8"?>
+<file path=ppt/slides/slide34.xml><?xml version="1.0" encoding="utf-8"?>
 <p:sld xmlns:a="http://schemas.openxmlformats.org/drawingml/2006/main" xmlns:r="http://schemas.openxmlformats.org/officeDocument/2006/relationships" xmlns:p="http://schemas.openxmlformats.org/presentationml/2006/main">
   <p:cSld>
     <p:spTree>
